--- a/.NETPresentation.pptx
+++ b/.NETPresentation.pptx
@@ -4,20 +4,25 @@
   <p:sldMasterIdLst>
     <p:sldMasterId id="2147483660" r:id="rId1"/>
   </p:sldMasterIdLst>
+  <p:notesMasterIdLst>
+    <p:notesMasterId r:id="rId17"/>
+  </p:notesMasterIdLst>
   <p:sldIdLst>
     <p:sldId id="256" r:id="rId2"/>
     <p:sldId id="257" r:id="rId3"/>
     <p:sldId id="258" r:id="rId4"/>
-    <p:sldId id="259" r:id="rId5"/>
-    <p:sldId id="260" r:id="rId6"/>
-    <p:sldId id="261" r:id="rId7"/>
-    <p:sldId id="262" r:id="rId8"/>
-    <p:sldId id="263" r:id="rId9"/>
-    <p:sldId id="264" r:id="rId10"/>
-    <p:sldId id="265" r:id="rId11"/>
-    <p:sldId id="266" r:id="rId12"/>
-    <p:sldId id="267" r:id="rId13"/>
-    <p:sldId id="268" r:id="rId14"/>
+    <p:sldId id="269" r:id="rId5"/>
+    <p:sldId id="259" r:id="rId6"/>
+    <p:sldId id="260" r:id="rId7"/>
+    <p:sldId id="261" r:id="rId8"/>
+    <p:sldId id="262" r:id="rId9"/>
+    <p:sldId id="263" r:id="rId10"/>
+    <p:sldId id="270" r:id="rId11"/>
+    <p:sldId id="264" r:id="rId12"/>
+    <p:sldId id="265" r:id="rId13"/>
+    <p:sldId id="266" r:id="rId14"/>
+    <p:sldId id="267" r:id="rId15"/>
+    <p:sldId id="268" r:id="rId16"/>
   </p:sldIdLst>
   <p:sldSz cx="12192000" cy="6858000"/>
   <p:notesSz cx="6858000" cy="9144000"/>
@@ -122,6 +127,356 @@
     </p:ext>
   </p:extLst>
 </p:presentation>
+</file>
+
+<file path=ppt/notesMasters/notesMaster1.xml><?xml version="1.0" encoding="utf-8"?>
+<p:notesMaster xmlns:a="http://schemas.openxmlformats.org/drawingml/2006/main" xmlns:r="http://schemas.openxmlformats.org/officeDocument/2006/relationships" xmlns:p="http://schemas.openxmlformats.org/presentationml/2006/main">
+  <p:cSld>
+    <p:bg>
+      <p:bgRef idx="1001">
+        <a:schemeClr val="bg1"/>
+      </p:bgRef>
+    </p:bg>
+    <p:spTree>
+      <p:nvGrpSpPr>
+        <p:cNvPr id="1" name=""/>
+        <p:cNvGrpSpPr/>
+        <p:nvPr/>
+      </p:nvGrpSpPr>
+      <p:grpSpPr>
+        <a:xfrm>
+          <a:off x="0" y="0"/>
+          <a:ext cx="0" cy="0"/>
+          <a:chOff x="0" y="0"/>
+          <a:chExt cx="0" cy="0"/>
+        </a:xfrm>
+      </p:grpSpPr>
+      <p:sp>
+        <p:nvSpPr>
+          <p:cNvPr id="2" name="Header Placeholder 1"/>
+          <p:cNvSpPr>
+            <a:spLocks noGrp="1"/>
+          </p:cNvSpPr>
+          <p:nvPr>
+            <p:ph type="hdr" sz="quarter"/>
+          </p:nvPr>
+        </p:nvSpPr>
+        <p:spPr>
+          <a:xfrm>
+            <a:off x="0" y="0"/>
+            <a:ext cx="2971800" cy="458788"/>
+          </a:xfrm>
+          <a:prstGeom prst="rect">
+            <a:avLst/>
+          </a:prstGeom>
+        </p:spPr>
+        <p:txBody>
+          <a:bodyPr vert="horz" lIns="91440" tIns="45720" rIns="91440" bIns="45720" rtlCol="0"/>
+          <a:lstStyle>
+            <a:lvl1pPr algn="l">
+              <a:defRPr sz="1200"/>
+            </a:lvl1pPr>
+          </a:lstStyle>
+          <a:p>
+            <a:endParaRPr lang="en-US"/>
+          </a:p>
+        </p:txBody>
+      </p:sp>
+      <p:sp>
+        <p:nvSpPr>
+          <p:cNvPr id="3" name="Date Placeholder 2"/>
+          <p:cNvSpPr>
+            <a:spLocks noGrp="1"/>
+          </p:cNvSpPr>
+          <p:nvPr>
+            <p:ph type="dt" idx="1"/>
+          </p:nvPr>
+        </p:nvSpPr>
+        <p:spPr>
+          <a:xfrm>
+            <a:off x="3884613" y="0"/>
+            <a:ext cx="2971800" cy="458788"/>
+          </a:xfrm>
+          <a:prstGeom prst="rect">
+            <a:avLst/>
+          </a:prstGeom>
+        </p:spPr>
+        <p:txBody>
+          <a:bodyPr vert="horz" lIns="91440" tIns="45720" rIns="91440" bIns="45720" rtlCol="0"/>
+          <a:lstStyle>
+            <a:lvl1pPr algn="r">
+              <a:defRPr sz="1200"/>
+            </a:lvl1pPr>
+          </a:lstStyle>
+          <a:p>
+            <a:fld id="{11D631E5-5259-4094-AE29-0CA694F2CDEA}" type="datetimeFigureOut">
+              <a:rPr lang="en-US" smtClean="0"/>
+              <a:t>2/6/2019</a:t>
+            </a:fld>
+            <a:endParaRPr lang="en-US"/>
+          </a:p>
+        </p:txBody>
+      </p:sp>
+      <p:sp>
+        <p:nvSpPr>
+          <p:cNvPr id="4" name="Slide Image Placeholder 3"/>
+          <p:cNvSpPr>
+            <a:spLocks noGrp="1" noRot="1" noChangeAspect="1"/>
+          </p:cNvSpPr>
+          <p:nvPr>
+            <p:ph type="sldImg" idx="2"/>
+          </p:nvPr>
+        </p:nvSpPr>
+        <p:spPr>
+          <a:xfrm>
+            <a:off x="685800" y="1143000"/>
+            <a:ext cx="5486400" cy="3086100"/>
+          </a:xfrm>
+          <a:prstGeom prst="rect">
+            <a:avLst/>
+          </a:prstGeom>
+          <a:noFill/>
+          <a:ln w="12700">
+            <a:solidFill>
+              <a:prstClr val="black"/>
+            </a:solidFill>
+          </a:ln>
+        </p:spPr>
+        <p:txBody>
+          <a:bodyPr vert="horz" lIns="91440" tIns="45720" rIns="91440" bIns="45720" rtlCol="0" anchor="ctr"/>
+          <a:lstStyle/>
+          <a:p>
+            <a:endParaRPr lang="en-US"/>
+          </a:p>
+        </p:txBody>
+      </p:sp>
+      <p:sp>
+        <p:nvSpPr>
+          <p:cNvPr id="5" name="Notes Placeholder 4"/>
+          <p:cNvSpPr>
+            <a:spLocks noGrp="1"/>
+          </p:cNvSpPr>
+          <p:nvPr>
+            <p:ph type="body" sz="quarter" idx="3"/>
+          </p:nvPr>
+        </p:nvSpPr>
+        <p:spPr>
+          <a:xfrm>
+            <a:off x="685800" y="4400550"/>
+            <a:ext cx="5486400" cy="3600450"/>
+          </a:xfrm>
+          <a:prstGeom prst="rect">
+            <a:avLst/>
+          </a:prstGeom>
+        </p:spPr>
+        <p:txBody>
+          <a:bodyPr vert="horz" lIns="91440" tIns="45720" rIns="91440" bIns="45720" rtlCol="0"/>
+          <a:lstStyle/>
+          <a:p>
+            <a:pPr lvl="0"/>
+            <a:r>
+              <a:rPr lang="en-US" smtClean="0"/>
+              <a:t>Edit Master text styles</a:t>
+            </a:r>
+          </a:p>
+          <a:p>
+            <a:pPr lvl="1"/>
+            <a:r>
+              <a:rPr lang="en-US" smtClean="0"/>
+              <a:t>Second level</a:t>
+            </a:r>
+          </a:p>
+          <a:p>
+            <a:pPr lvl="2"/>
+            <a:r>
+              <a:rPr lang="en-US" smtClean="0"/>
+              <a:t>Third level</a:t>
+            </a:r>
+          </a:p>
+          <a:p>
+            <a:pPr lvl="3"/>
+            <a:r>
+              <a:rPr lang="en-US" smtClean="0"/>
+              <a:t>Fourth level</a:t>
+            </a:r>
+          </a:p>
+          <a:p>
+            <a:pPr lvl="4"/>
+            <a:r>
+              <a:rPr lang="en-US" smtClean="0"/>
+              <a:t>Fifth level</a:t>
+            </a:r>
+            <a:endParaRPr lang="en-US"/>
+          </a:p>
+        </p:txBody>
+      </p:sp>
+      <p:sp>
+        <p:nvSpPr>
+          <p:cNvPr id="6" name="Footer Placeholder 5"/>
+          <p:cNvSpPr>
+            <a:spLocks noGrp="1"/>
+          </p:cNvSpPr>
+          <p:nvPr>
+            <p:ph type="ftr" sz="quarter" idx="4"/>
+          </p:nvPr>
+        </p:nvSpPr>
+        <p:spPr>
+          <a:xfrm>
+            <a:off x="0" y="8685213"/>
+            <a:ext cx="2971800" cy="458787"/>
+          </a:xfrm>
+          <a:prstGeom prst="rect">
+            <a:avLst/>
+          </a:prstGeom>
+        </p:spPr>
+        <p:txBody>
+          <a:bodyPr vert="horz" lIns="91440" tIns="45720" rIns="91440" bIns="45720" rtlCol="0" anchor="b"/>
+          <a:lstStyle>
+            <a:lvl1pPr algn="l">
+              <a:defRPr sz="1200"/>
+            </a:lvl1pPr>
+          </a:lstStyle>
+          <a:p>
+            <a:endParaRPr lang="en-US"/>
+          </a:p>
+        </p:txBody>
+      </p:sp>
+      <p:sp>
+        <p:nvSpPr>
+          <p:cNvPr id="7" name="Slide Number Placeholder 6"/>
+          <p:cNvSpPr>
+            <a:spLocks noGrp="1"/>
+          </p:cNvSpPr>
+          <p:nvPr>
+            <p:ph type="sldNum" sz="quarter" idx="5"/>
+          </p:nvPr>
+        </p:nvSpPr>
+        <p:spPr>
+          <a:xfrm>
+            <a:off x="3884613" y="8685213"/>
+            <a:ext cx="2971800" cy="458787"/>
+          </a:xfrm>
+          <a:prstGeom prst="rect">
+            <a:avLst/>
+          </a:prstGeom>
+        </p:spPr>
+        <p:txBody>
+          <a:bodyPr vert="horz" lIns="91440" tIns="45720" rIns="91440" bIns="45720" rtlCol="0" anchor="b"/>
+          <a:lstStyle>
+            <a:lvl1pPr algn="r">
+              <a:defRPr sz="1200"/>
+            </a:lvl1pPr>
+          </a:lstStyle>
+          <a:p>
+            <a:fld id="{D96F4CE6-52D2-42AA-9614-5A672119BDB3}" type="slidenum">
+              <a:rPr lang="en-US" smtClean="0"/>
+              <a:t>‹#›</a:t>
+            </a:fld>
+            <a:endParaRPr lang="en-US"/>
+          </a:p>
+        </p:txBody>
+      </p:sp>
+    </p:spTree>
+    <p:extLst>
+      <p:ext uri="{BB962C8B-B14F-4D97-AF65-F5344CB8AC3E}">
+        <p14:creationId xmlns:p14="http://schemas.microsoft.com/office/powerpoint/2010/main" val="3732888586"/>
+      </p:ext>
+    </p:extLst>
+  </p:cSld>
+  <p:clrMap bg1="lt1" tx1="dk1" bg2="lt2" tx2="dk2" accent1="accent1" accent2="accent2" accent3="accent3" accent4="accent4" accent5="accent5" accent6="accent6" hlink="hlink" folHlink="folHlink"/>
+  <p:notesStyle>
+    <a:lvl1pPr marL="0" algn="l" defTabSz="914400" rtl="0" eaLnBrk="1" latinLnBrk="0" hangingPunct="1">
+      <a:defRPr sz="1200" kern="1200">
+        <a:solidFill>
+          <a:schemeClr val="tx1"/>
+        </a:solidFill>
+        <a:latin typeface="+mn-lt"/>
+        <a:ea typeface="+mn-ea"/>
+        <a:cs typeface="+mn-cs"/>
+      </a:defRPr>
+    </a:lvl1pPr>
+    <a:lvl2pPr marL="457200" algn="l" defTabSz="914400" rtl="0" eaLnBrk="1" latinLnBrk="0" hangingPunct="1">
+      <a:defRPr sz="1200" kern="1200">
+        <a:solidFill>
+          <a:schemeClr val="tx1"/>
+        </a:solidFill>
+        <a:latin typeface="+mn-lt"/>
+        <a:ea typeface="+mn-ea"/>
+        <a:cs typeface="+mn-cs"/>
+      </a:defRPr>
+    </a:lvl2pPr>
+    <a:lvl3pPr marL="914400" algn="l" defTabSz="914400" rtl="0" eaLnBrk="1" latinLnBrk="0" hangingPunct="1">
+      <a:defRPr sz="1200" kern="1200">
+        <a:solidFill>
+          <a:schemeClr val="tx1"/>
+        </a:solidFill>
+        <a:latin typeface="+mn-lt"/>
+        <a:ea typeface="+mn-ea"/>
+        <a:cs typeface="+mn-cs"/>
+      </a:defRPr>
+    </a:lvl3pPr>
+    <a:lvl4pPr marL="1371600" algn="l" defTabSz="914400" rtl="0" eaLnBrk="1" latinLnBrk="0" hangingPunct="1">
+      <a:defRPr sz="1200" kern="1200">
+        <a:solidFill>
+          <a:schemeClr val="tx1"/>
+        </a:solidFill>
+        <a:latin typeface="+mn-lt"/>
+        <a:ea typeface="+mn-ea"/>
+        <a:cs typeface="+mn-cs"/>
+      </a:defRPr>
+    </a:lvl4pPr>
+    <a:lvl5pPr marL="1828800" algn="l" defTabSz="914400" rtl="0" eaLnBrk="1" latinLnBrk="0" hangingPunct="1">
+      <a:defRPr sz="1200" kern="1200">
+        <a:solidFill>
+          <a:schemeClr val="tx1"/>
+        </a:solidFill>
+        <a:latin typeface="+mn-lt"/>
+        <a:ea typeface="+mn-ea"/>
+        <a:cs typeface="+mn-cs"/>
+      </a:defRPr>
+    </a:lvl5pPr>
+    <a:lvl6pPr marL="2286000" algn="l" defTabSz="914400" rtl="0" eaLnBrk="1" latinLnBrk="0" hangingPunct="1">
+      <a:defRPr sz="1200" kern="1200">
+        <a:solidFill>
+          <a:schemeClr val="tx1"/>
+        </a:solidFill>
+        <a:latin typeface="+mn-lt"/>
+        <a:ea typeface="+mn-ea"/>
+        <a:cs typeface="+mn-cs"/>
+      </a:defRPr>
+    </a:lvl6pPr>
+    <a:lvl7pPr marL="2743200" algn="l" defTabSz="914400" rtl="0" eaLnBrk="1" latinLnBrk="0" hangingPunct="1">
+      <a:defRPr sz="1200" kern="1200">
+        <a:solidFill>
+          <a:schemeClr val="tx1"/>
+        </a:solidFill>
+        <a:latin typeface="+mn-lt"/>
+        <a:ea typeface="+mn-ea"/>
+        <a:cs typeface="+mn-cs"/>
+      </a:defRPr>
+    </a:lvl7pPr>
+    <a:lvl8pPr marL="3200400" algn="l" defTabSz="914400" rtl="0" eaLnBrk="1" latinLnBrk="0" hangingPunct="1">
+      <a:defRPr sz="1200" kern="1200">
+        <a:solidFill>
+          <a:schemeClr val="tx1"/>
+        </a:solidFill>
+        <a:latin typeface="+mn-lt"/>
+        <a:ea typeface="+mn-ea"/>
+        <a:cs typeface="+mn-cs"/>
+      </a:defRPr>
+    </a:lvl8pPr>
+    <a:lvl9pPr marL="3657600" algn="l" defTabSz="914400" rtl="0" eaLnBrk="1" latinLnBrk="0" hangingPunct="1">
+      <a:defRPr sz="1200" kern="1200">
+        <a:solidFill>
+          <a:schemeClr val="tx1"/>
+        </a:solidFill>
+        <a:latin typeface="+mn-lt"/>
+        <a:ea typeface="+mn-ea"/>
+        <a:cs typeface="+mn-cs"/>
+      </a:defRPr>
+    </a:lvl9pPr>
+  </p:notesStyle>
+</p:notesMaster>
 </file>
 
 <file path=ppt/slideLayouts/slideLayout1.xml><?xml version="1.0" encoding="utf-8"?>
@@ -844,9 +1199,9 @@
           <a:bodyPr/>
           <a:lstStyle/>
           <a:p>
-            <a:fld id="{9B9AF1A7-5374-4838-A9E8-91ABA9AFDE9F}" type="datetimeFigureOut">
-              <a:rPr lang="en-US" smtClean="0"/>
-              <a:t>2/5/2019</a:t>
+            <a:fld id="{ABF708AE-F962-4E4D-A2E4-CF1B64036524}" type="datetime1">
+              <a:rPr lang="en-US" smtClean="0"/>
+              <a:t>2/6/2019</a:t>
             </a:fld>
             <a:endParaRPr lang="en-US"/>
           </a:p>
@@ -867,6 +1222,10 @@
           <a:bodyPr/>
           <a:lstStyle/>
           <a:p>
+            <a:r>
+              <a:rPr lang="en-US" smtClean="0"/>
+              <a:t>Rahul</a:t>
+            </a:r>
             <a:endParaRPr lang="en-US"/>
           </a:p>
         </p:txBody>
@@ -1095,9 +1454,9 @@
           <a:bodyPr/>
           <a:lstStyle/>
           <a:p>
-            <a:fld id="{9B9AF1A7-5374-4838-A9E8-91ABA9AFDE9F}" type="datetimeFigureOut">
-              <a:rPr lang="en-US" smtClean="0"/>
-              <a:t>2/5/2019</a:t>
+            <a:fld id="{DE96DD61-B59E-4276-BCF6-FECD2F700F8B}" type="datetime1">
+              <a:rPr lang="en-US" smtClean="0"/>
+              <a:t>2/6/2019</a:t>
             </a:fld>
             <a:endParaRPr lang="en-US"/>
           </a:p>
@@ -1118,6 +1477,10 @@
           <a:bodyPr/>
           <a:lstStyle/>
           <a:p>
+            <a:r>
+              <a:rPr lang="en-US" smtClean="0"/>
+              <a:t>Rahul</a:t>
+            </a:r>
             <a:endParaRPr lang="en-US"/>
           </a:p>
         </p:txBody>
@@ -1409,9 +1772,9 @@
           <a:bodyPr/>
           <a:lstStyle/>
           <a:p>
-            <a:fld id="{9B9AF1A7-5374-4838-A9E8-91ABA9AFDE9F}" type="datetimeFigureOut">
-              <a:rPr lang="en-US" smtClean="0"/>
-              <a:t>2/5/2019</a:t>
+            <a:fld id="{E997FCD2-AB3F-4E05-A47D-00FF9E10B076}" type="datetime1">
+              <a:rPr lang="en-US" smtClean="0"/>
+              <a:t>2/6/2019</a:t>
             </a:fld>
             <a:endParaRPr lang="en-US"/>
           </a:p>
@@ -1432,6 +1795,10 @@
           <a:bodyPr/>
           <a:lstStyle/>
           <a:p>
+            <a:r>
+              <a:rPr lang="en-US" smtClean="0"/>
+              <a:t>Rahul</a:t>
+            </a:r>
             <a:endParaRPr lang="en-US"/>
           </a:p>
         </p:txBody>
@@ -1750,9 +2117,9 @@
           <a:bodyPr/>
           <a:lstStyle/>
           <a:p>
-            <a:fld id="{9B9AF1A7-5374-4838-A9E8-91ABA9AFDE9F}" type="datetimeFigureOut">
-              <a:rPr lang="en-US" smtClean="0"/>
-              <a:t>2/5/2019</a:t>
+            <a:fld id="{7DEC9430-9F38-4178-845D-438112E89E91}" type="datetime1">
+              <a:rPr lang="en-US" smtClean="0"/>
+              <a:t>2/6/2019</a:t>
             </a:fld>
             <a:endParaRPr lang="en-US"/>
           </a:p>
@@ -1773,6 +2140,10 @@
           <a:bodyPr/>
           <a:lstStyle/>
           <a:p>
+            <a:r>
+              <a:rPr lang="en-US" smtClean="0"/>
+              <a:t>Rahul</a:t>
+            </a:r>
             <a:endParaRPr lang="en-US"/>
           </a:p>
         </p:txBody>
@@ -2064,9 +2435,9 @@
           <a:bodyPr/>
           <a:lstStyle/>
           <a:p>
-            <a:fld id="{9B9AF1A7-5374-4838-A9E8-91ABA9AFDE9F}" type="datetimeFigureOut">
-              <a:rPr lang="en-US" smtClean="0"/>
-              <a:t>2/5/2019</a:t>
+            <a:fld id="{4E5C038A-2893-4B45-A9EE-210CDA733B11}" type="datetime1">
+              <a:rPr lang="en-US" smtClean="0"/>
+              <a:t>2/6/2019</a:t>
             </a:fld>
             <a:endParaRPr lang="en-US"/>
           </a:p>
@@ -2087,6 +2458,10 @@
           <a:bodyPr/>
           <a:lstStyle/>
           <a:p>
+            <a:r>
+              <a:rPr lang="en-US" smtClean="0"/>
+              <a:t>Rahul</a:t>
+            </a:r>
             <a:endParaRPr lang="en-US"/>
           </a:p>
         </p:txBody>
@@ -2457,9 +2832,9 @@
           <a:bodyPr/>
           <a:lstStyle/>
           <a:p>
-            <a:fld id="{9B9AF1A7-5374-4838-A9E8-91ABA9AFDE9F}" type="datetimeFigureOut">
-              <a:rPr lang="en-US" smtClean="0"/>
-              <a:t>2/5/2019</a:t>
+            <a:fld id="{9BD72C1E-9A6E-420C-AB61-A24459F4F1E4}" type="datetime1">
+              <a:rPr lang="en-US" smtClean="0"/>
+              <a:t>2/6/2019</a:t>
             </a:fld>
             <a:endParaRPr lang="en-US"/>
           </a:p>
@@ -2480,6 +2855,10 @@
           <a:bodyPr/>
           <a:lstStyle/>
           <a:p>
+            <a:r>
+              <a:rPr lang="en-US" smtClean="0"/>
+              <a:t>Rahul</a:t>
+            </a:r>
             <a:endParaRPr lang="en-US"/>
           </a:p>
         </p:txBody>
@@ -2627,9 +3006,9 @@
           <a:bodyPr/>
           <a:lstStyle/>
           <a:p>
-            <a:fld id="{9B9AF1A7-5374-4838-A9E8-91ABA9AFDE9F}" type="datetimeFigureOut">
-              <a:rPr lang="en-US" smtClean="0"/>
-              <a:t>2/5/2019</a:t>
+            <a:fld id="{18E9EE01-E851-4D52-A3A2-C7A22B2DD098}" type="datetime1">
+              <a:rPr lang="en-US" smtClean="0"/>
+              <a:t>2/6/2019</a:t>
             </a:fld>
             <a:endParaRPr lang="en-US"/>
           </a:p>
@@ -2650,6 +3029,10 @@
           <a:bodyPr/>
           <a:lstStyle/>
           <a:p>
+            <a:r>
+              <a:rPr lang="en-US" smtClean="0"/>
+              <a:t>Rahul</a:t>
+            </a:r>
             <a:endParaRPr lang="en-US"/>
           </a:p>
         </p:txBody>
@@ -2807,9 +3190,9 @@
           <a:bodyPr/>
           <a:lstStyle/>
           <a:p>
-            <a:fld id="{9B9AF1A7-5374-4838-A9E8-91ABA9AFDE9F}" type="datetimeFigureOut">
-              <a:rPr lang="en-US" smtClean="0"/>
-              <a:t>2/5/2019</a:t>
+            <a:fld id="{66416BD6-E954-49B3-9E7C-D2D15CDAA073}" type="datetime1">
+              <a:rPr lang="en-US" smtClean="0"/>
+              <a:t>2/6/2019</a:t>
             </a:fld>
             <a:endParaRPr lang="en-US"/>
           </a:p>
@@ -2830,6 +3213,10 @@
           <a:bodyPr/>
           <a:lstStyle/>
           <a:p>
+            <a:r>
+              <a:rPr lang="en-US" smtClean="0"/>
+              <a:t>Rahul</a:t>
+            </a:r>
             <a:endParaRPr lang="en-US"/>
           </a:p>
         </p:txBody>
@@ -2983,9 +3370,9 @@
           <a:bodyPr/>
           <a:lstStyle/>
           <a:p>
-            <a:fld id="{9B9AF1A7-5374-4838-A9E8-91ABA9AFDE9F}" type="datetimeFigureOut">
-              <a:rPr lang="en-US" smtClean="0"/>
-              <a:t>2/5/2019</a:t>
+            <a:fld id="{E2CF657B-C115-4ECE-BFFE-2E064E67963A}" type="datetime1">
+              <a:rPr lang="en-US" smtClean="0"/>
+              <a:t>2/6/2019</a:t>
             </a:fld>
             <a:endParaRPr lang="en-US"/>
           </a:p>
@@ -3006,6 +3393,10 @@
           <a:bodyPr/>
           <a:lstStyle/>
           <a:p>
+            <a:r>
+              <a:rPr lang="en-US" smtClean="0"/>
+              <a:t>Rahul</a:t>
+            </a:r>
             <a:endParaRPr lang="en-US"/>
           </a:p>
         </p:txBody>
@@ -3230,9 +3621,9 @@
           <a:bodyPr/>
           <a:lstStyle/>
           <a:p>
-            <a:fld id="{9B9AF1A7-5374-4838-A9E8-91ABA9AFDE9F}" type="datetimeFigureOut">
-              <a:rPr lang="en-US" smtClean="0"/>
-              <a:t>2/5/2019</a:t>
+            <a:fld id="{A8747340-B065-4648-B8FE-FC6FAD667012}" type="datetime1">
+              <a:rPr lang="en-US" smtClean="0"/>
+              <a:t>2/6/2019</a:t>
             </a:fld>
             <a:endParaRPr lang="en-US"/>
           </a:p>
@@ -3253,6 +3644,10 @@
           <a:bodyPr/>
           <a:lstStyle/>
           <a:p>
+            <a:r>
+              <a:rPr lang="en-US" smtClean="0"/>
+              <a:t>Rahul</a:t>
+            </a:r>
             <a:endParaRPr lang="en-US"/>
           </a:p>
         </p:txBody>
@@ -3462,9 +3857,9 @@
           <a:bodyPr/>
           <a:lstStyle/>
           <a:p>
-            <a:fld id="{9B9AF1A7-5374-4838-A9E8-91ABA9AFDE9F}" type="datetimeFigureOut">
-              <a:rPr lang="en-US" smtClean="0"/>
-              <a:t>2/5/2019</a:t>
+            <a:fld id="{41B2A037-9766-4C97-BD76-17A66CF4AB71}" type="datetime1">
+              <a:rPr lang="en-US" smtClean="0"/>
+              <a:t>2/6/2019</a:t>
             </a:fld>
             <a:endParaRPr lang="en-US"/>
           </a:p>
@@ -3485,6 +3880,10 @@
           <a:bodyPr/>
           <a:lstStyle/>
           <a:p>
+            <a:r>
+              <a:rPr lang="en-US" smtClean="0"/>
+              <a:t>Rahul</a:t>
+            </a:r>
             <a:endParaRPr lang="en-US"/>
           </a:p>
         </p:txBody>
@@ -3836,9 +4235,9 @@
           <a:bodyPr/>
           <a:lstStyle/>
           <a:p>
-            <a:fld id="{9B9AF1A7-5374-4838-A9E8-91ABA9AFDE9F}" type="datetimeFigureOut">
-              <a:rPr lang="en-US" smtClean="0"/>
-              <a:t>2/5/2019</a:t>
+            <a:fld id="{6700C790-AB30-4B53-9F3D-103D2DFE42F7}" type="datetime1">
+              <a:rPr lang="en-US" smtClean="0"/>
+              <a:t>2/6/2019</a:t>
             </a:fld>
             <a:endParaRPr lang="en-US"/>
           </a:p>
@@ -3859,6 +4258,10 @@
           <a:bodyPr/>
           <a:lstStyle/>
           <a:p>
+            <a:r>
+              <a:rPr lang="en-US" smtClean="0"/>
+              <a:t>Rahul</a:t>
+            </a:r>
             <a:endParaRPr lang="en-US"/>
           </a:p>
         </p:txBody>
@@ -3959,9 +4362,9 @@
           <a:bodyPr/>
           <a:lstStyle/>
           <a:p>
-            <a:fld id="{9B9AF1A7-5374-4838-A9E8-91ABA9AFDE9F}" type="datetimeFigureOut">
-              <a:rPr lang="en-US" smtClean="0"/>
-              <a:t>2/5/2019</a:t>
+            <a:fld id="{4F778887-9EC2-4E20-8C0E-E47DDE84B5B5}" type="datetime1">
+              <a:rPr lang="en-US" smtClean="0"/>
+              <a:t>2/6/2019</a:t>
             </a:fld>
             <a:endParaRPr lang="en-US"/>
           </a:p>
@@ -3982,6 +4385,10 @@
           <a:bodyPr/>
           <a:lstStyle/>
           <a:p>
+            <a:r>
+              <a:rPr lang="en-US" smtClean="0"/>
+              <a:t>Rahul</a:t>
+            </a:r>
             <a:endParaRPr lang="en-US"/>
           </a:p>
         </p:txBody>
@@ -4054,9 +4461,9 @@
           <a:bodyPr/>
           <a:lstStyle/>
           <a:p>
-            <a:fld id="{9B9AF1A7-5374-4838-A9E8-91ABA9AFDE9F}" type="datetimeFigureOut">
-              <a:rPr lang="en-US" smtClean="0"/>
-              <a:t>2/5/2019</a:t>
+            <a:fld id="{110182B9-B420-4DE7-BB67-A15E8D7AFDFF}" type="datetime1">
+              <a:rPr lang="en-US" smtClean="0"/>
+              <a:t>2/6/2019</a:t>
             </a:fld>
             <a:endParaRPr lang="en-US"/>
           </a:p>
@@ -4077,6 +4484,10 @@
           <a:bodyPr/>
           <a:lstStyle/>
           <a:p>
+            <a:r>
+              <a:rPr lang="en-US" smtClean="0"/>
+              <a:t>Rahul</a:t>
+            </a:r>
             <a:endParaRPr lang="en-US"/>
           </a:p>
         </p:txBody>
@@ -4309,9 +4720,9 @@
           <a:bodyPr/>
           <a:lstStyle/>
           <a:p>
-            <a:fld id="{9B9AF1A7-5374-4838-A9E8-91ABA9AFDE9F}" type="datetimeFigureOut">
-              <a:rPr lang="en-US" smtClean="0"/>
-              <a:t>2/5/2019</a:t>
+            <a:fld id="{08D39961-8079-411D-B9F4-9B6B29B9E62E}" type="datetime1">
+              <a:rPr lang="en-US" smtClean="0"/>
+              <a:t>2/6/2019</a:t>
             </a:fld>
             <a:endParaRPr lang="en-US"/>
           </a:p>
@@ -4332,6 +4743,10 @@
           <a:bodyPr/>
           <a:lstStyle/>
           <a:p>
+            <a:r>
+              <a:rPr lang="en-US" smtClean="0"/>
+              <a:t>Rahul</a:t>
+            </a:r>
             <a:endParaRPr lang="en-US"/>
           </a:p>
         </p:txBody>
@@ -4572,9 +4987,9 @@
           <a:bodyPr/>
           <a:lstStyle/>
           <a:p>
-            <a:fld id="{9B9AF1A7-5374-4838-A9E8-91ABA9AFDE9F}" type="datetimeFigureOut">
-              <a:rPr lang="en-US" smtClean="0"/>
-              <a:t>2/5/2019</a:t>
+            <a:fld id="{A6AA084D-1B2E-4ED3-8DEF-A4891ED5CC08}" type="datetime1">
+              <a:rPr lang="en-US" smtClean="0"/>
+              <a:t>2/6/2019</a:t>
             </a:fld>
             <a:endParaRPr lang="en-US"/>
           </a:p>
@@ -4595,6 +5010,10 @@
           <a:bodyPr/>
           <a:lstStyle/>
           <a:p>
+            <a:r>
+              <a:rPr lang="en-US" smtClean="0"/>
+              <a:t>Rahul</a:t>
+            </a:r>
             <a:endParaRPr lang="en-US"/>
           </a:p>
         </p:txBody>
@@ -5315,9 +5734,9 @@
             </a:lvl1pPr>
           </a:lstStyle>
           <a:p>
-            <a:fld id="{9B9AF1A7-5374-4838-A9E8-91ABA9AFDE9F}" type="datetimeFigureOut">
-              <a:rPr lang="en-US" smtClean="0"/>
-              <a:t>2/5/2019</a:t>
+            <a:fld id="{9C90F16D-712B-46C4-AB4E-187800D0739E}" type="datetime1">
+              <a:rPr lang="en-US" smtClean="0"/>
+              <a:t>2/6/2019</a:t>
             </a:fld>
             <a:endParaRPr lang="en-US"/>
           </a:p>
@@ -5356,6 +5775,10 @@
             </a:lvl1pPr>
           </a:lstStyle>
           <a:p>
+            <a:r>
+              <a:rPr lang="en-US" smtClean="0"/>
+              <a:t>Rahul</a:t>
+            </a:r>
             <a:endParaRPr lang="en-US"/>
           </a:p>
         </p:txBody>
@@ -5425,6 +5848,7 @@
     <p:sldLayoutId id="2147483675" r:id="rId15"/>
     <p:sldLayoutId id="2147483676" r:id="rId16"/>
   </p:sldLayoutIdLst>
+  <p:hf sldNum="0" hdr="0" dt="0"/>
   <p:txStyles>
     <p:titleStyle>
       <a:lvl1pPr algn="l" defTabSz="457200" rtl="0" eaLnBrk="1" latinLnBrk="0" hangingPunct="1">
@@ -5863,15 +6287,7 @@
           <a:p>
             <a:r>
               <a:rPr lang="en-US" dirty="0" smtClean="0"/>
-              <a:t>HOW TO IMPLEMENT </a:t>
-            </a:r>
-            <a:r>
-              <a:rPr lang="en-US" dirty="0" smtClean="0"/>
-              <a:t>CONVERSATIONAL </a:t>
-            </a:r>
-            <a:r>
-              <a:rPr lang="en-US" dirty="0" smtClean="0"/>
-              <a:t>AI </a:t>
+              <a:t>HOW TO IMPLEMENT CONVERSATIONAL AI </a:t>
             </a:r>
             <a:endParaRPr lang="en-US" dirty="0"/>
           </a:p>
@@ -5902,13 +6318,8 @@
             </a:pPr>
             <a:r>
               <a:rPr lang="en-US" dirty="0" smtClean="0"/>
-              <a:t>Sampath </a:t>
-            </a:r>
-            <a:r>
-              <a:rPr lang="en-US" dirty="0" smtClean="0"/>
-              <a:t>Vagicharla-S533978</a:t>
-            </a:r>
-            <a:endParaRPr lang="en-US" dirty="0" smtClean="0"/>
+              <a:t>Sampath Vagicharla-S533978</a:t>
+            </a:r>
           </a:p>
           <a:p>
             <a:pPr marL="0" indent="0">
@@ -5920,11 +6331,7 @@
             </a:r>
             <a:r>
               <a:rPr lang="en-US" dirty="0" smtClean="0"/>
-              <a:t> </a:t>
-            </a:r>
-            <a:r>
-              <a:rPr lang="en-US" dirty="0" smtClean="0"/>
-              <a:t>Sai Subhash-S533979</a:t>
+              <a:t> Sai Subhash-S533979</a:t>
             </a:r>
           </a:p>
           <a:p>
@@ -5945,6 +6352,149 @@
               <a:t>Rahul Reddy Dayam-S533901</a:t>
             </a:r>
             <a:endParaRPr lang="en-US" dirty="0"/>
+          </a:p>
+        </p:txBody>
+      </p:sp>
+      <p:pic>
+        <p:nvPicPr>
+          <p:cNvPr id="4" name="Picture 3"/>
+          <p:cNvPicPr>
+            <a:picLocks noChangeAspect="1"/>
+          </p:cNvPicPr>
+          <p:nvPr/>
+        </p:nvPicPr>
+        <p:blipFill>
+          <a:blip r:embed="rId2">
+            <a:extLst>
+              <a:ext uri="{28A0092B-C50C-407E-A947-70E740481C1C}">
+                <a14:useLocalDpi xmlns:a14="http://schemas.microsoft.com/office/drawing/2010/main" val="0"/>
+              </a:ext>
+            </a:extLst>
+          </a:blip>
+          <a:stretch>
+            <a:fillRect/>
+          </a:stretch>
+        </p:blipFill>
+        <p:spPr>
+          <a:xfrm>
+            <a:off x="713876" y="2480325"/>
+            <a:ext cx="1057423" cy="1333686"/>
+          </a:xfrm>
+          <a:prstGeom prst="rect">
+            <a:avLst/>
+          </a:prstGeom>
+        </p:spPr>
+      </p:pic>
+      <p:pic>
+        <p:nvPicPr>
+          <p:cNvPr id="6" name="Picture 5"/>
+          <p:cNvPicPr>
+            <a:picLocks noChangeAspect="1"/>
+          </p:cNvPicPr>
+          <p:nvPr/>
+        </p:nvPicPr>
+        <p:blipFill>
+          <a:blip r:embed="rId3" cstate="print">
+            <a:extLst>
+              <a:ext uri="{28A0092B-C50C-407E-A947-70E740481C1C}">
+                <a14:useLocalDpi xmlns:a14="http://schemas.microsoft.com/office/drawing/2010/main" val="0"/>
+              </a:ext>
+            </a:extLst>
+          </a:blip>
+          <a:stretch>
+            <a:fillRect/>
+          </a:stretch>
+        </p:blipFill>
+        <p:spPr>
+          <a:xfrm>
+            <a:off x="2378661" y="2480325"/>
+            <a:ext cx="1427018" cy="1333686"/>
+          </a:xfrm>
+          <a:prstGeom prst="rect">
+            <a:avLst/>
+          </a:prstGeom>
+        </p:spPr>
+      </p:pic>
+      <p:pic>
+        <p:nvPicPr>
+          <p:cNvPr id="7" name="Picture 6"/>
+          <p:cNvPicPr>
+            <a:picLocks noChangeAspect="1"/>
+          </p:cNvPicPr>
+          <p:nvPr/>
+        </p:nvPicPr>
+        <p:blipFill>
+          <a:blip r:embed="rId4" cstate="print">
+            <a:extLst>
+              <a:ext uri="{28A0092B-C50C-407E-A947-70E740481C1C}">
+                <a14:useLocalDpi xmlns:a14="http://schemas.microsoft.com/office/drawing/2010/main" val="0"/>
+              </a:ext>
+            </a:extLst>
+          </a:blip>
+          <a:stretch>
+            <a:fillRect/>
+          </a:stretch>
+        </p:blipFill>
+        <p:spPr>
+          <a:xfrm>
+            <a:off x="4262879" y="2480326"/>
+            <a:ext cx="1607127" cy="1333685"/>
+          </a:xfrm>
+          <a:prstGeom prst="rect">
+            <a:avLst/>
+          </a:prstGeom>
+        </p:spPr>
+      </p:pic>
+      <p:pic>
+        <p:nvPicPr>
+          <p:cNvPr id="8" name="Picture 7"/>
+          <p:cNvPicPr>
+            <a:picLocks noChangeAspect="1"/>
+          </p:cNvPicPr>
+          <p:nvPr/>
+        </p:nvPicPr>
+        <p:blipFill>
+          <a:blip r:embed="rId5" cstate="print">
+            <a:extLst>
+              <a:ext uri="{28A0092B-C50C-407E-A947-70E740481C1C}">
+                <a14:useLocalDpi xmlns:a14="http://schemas.microsoft.com/office/drawing/2010/main" val="0"/>
+              </a:ext>
+            </a:extLst>
+          </a:blip>
+          <a:stretch>
+            <a:fillRect/>
+          </a:stretch>
+        </p:blipFill>
+        <p:spPr>
+          <a:xfrm>
+            <a:off x="6216370" y="2480326"/>
+            <a:ext cx="1537854" cy="1333685"/>
+          </a:xfrm>
+          <a:prstGeom prst="rect">
+            <a:avLst/>
+          </a:prstGeom>
+        </p:spPr>
+      </p:pic>
+      <p:sp>
+        <p:nvSpPr>
+          <p:cNvPr id="3" name="Footer Placeholder 2"/>
+          <p:cNvSpPr>
+            <a:spLocks noGrp="1"/>
+          </p:cNvSpPr>
+          <p:nvPr>
+            <p:ph type="ftr" sz="quarter" idx="11"/>
+          </p:nvPr>
+        </p:nvSpPr>
+        <p:spPr/>
+        <p:txBody>
+          <a:bodyPr/>
+          <a:lstStyle/>
+          <a:p>
+            <a:r>
+              <a:rPr lang="en-US" sz="1600" dirty="0" smtClean="0"/>
+              <a:t>Sandeep</a:t>
+            </a:r>
+            <a:endParaRPr lang="en-US" sz="1600" dirty="0"/>
           </a:p>
         </p:txBody>
       </p:sp>
@@ -6002,7 +6552,7 @@
           <a:p>
             <a:r>
               <a:rPr lang="en-US" dirty="0" smtClean="0"/>
-              <a:t>Steps to build an Alexa skill set:</a:t>
+              <a:t>AWS Lambda:</a:t>
             </a:r>
             <a:endParaRPr lang="en-US" dirty="0"/>
           </a:p>
@@ -6020,78 +6570,57 @@
         </p:nvSpPr>
         <p:spPr>
           <a:xfrm>
-            <a:off x="838200" y="1467853"/>
-            <a:ext cx="10327105" cy="4853489"/>
+            <a:off x="677334" y="2160589"/>
+            <a:ext cx="8757611" cy="3880772"/>
           </a:xfrm>
         </p:spPr>
         <p:txBody>
-          <a:bodyPr/>
-          <a:lstStyle/>
-          <a:p>
-            <a:r>
-              <a:rPr lang="en-US" dirty="0" smtClean="0"/>
-              <a:t>Build an Alexa skill at </a:t>
-            </a:r>
-            <a:r>
-              <a:rPr lang="en-US" dirty="0" smtClean="0">
-                <a:hlinkClick r:id="rId2"/>
-              </a:rPr>
-              <a:t>https://developer.amazon.com/alexa</a:t>
-            </a:r>
-            <a:endParaRPr lang="en-US" dirty="0" smtClean="0"/>
-          </a:p>
-          <a:p>
-            <a:r>
-              <a:rPr lang="en-US" dirty="0" smtClean="0"/>
-              <a:t>Create your intents with sample utterances and slots .</a:t>
-            </a:r>
-          </a:p>
-          <a:p>
-            <a:r>
-              <a:rPr lang="en-US" dirty="0" smtClean="0"/>
-              <a:t>Build a function in your amazon developer console.</a:t>
-            </a:r>
-          </a:p>
-          <a:p>
-            <a:r>
-              <a:rPr lang="en-US" dirty="0" smtClean="0"/>
-              <a:t>Give your amazon credentials and select the platform in which you want to develop an application.</a:t>
-            </a:r>
-          </a:p>
-          <a:p>
-            <a:r>
-              <a:rPr lang="en-US" dirty="0" smtClean="0"/>
-              <a:t>Develop the code and deploy it in the Amazon developer account with the end points this deployment is </a:t>
-            </a:r>
-            <a:r>
-              <a:rPr lang="en-US" dirty="0" err="1" smtClean="0"/>
-              <a:t>serverless</a:t>
-            </a:r>
-            <a:r>
-              <a:rPr lang="en-US" dirty="0" smtClean="0"/>
-              <a:t>.</a:t>
-            </a:r>
-            <a:endParaRPr lang="en-US" dirty="0"/>
+          <a:bodyPr>
+            <a:normAutofit/>
+          </a:bodyPr>
+          <a:lstStyle/>
+          <a:p>
+            <a:r>
+              <a:rPr lang="en-US" sz="2400" dirty="0"/>
+              <a:t>AWS Lambda lets you run code without provisioning or managing servers. You pay only for the compute time you consume - there is no charge when your code is not running. With Lambda, you can run code for virtually any type of application or backend service - all with zero administration. Just upload your code and Lambda takes care of everything required to run and scale your code with high availability. You can set up your code to automatically trigger from other AWS services or call it directly from any web or mobile app.</a:t>
+            </a:r>
+            <a:endParaRPr lang="en-US" sz="2400" dirty="0"/>
+          </a:p>
+        </p:txBody>
+      </p:sp>
+      <p:sp>
+        <p:nvSpPr>
+          <p:cNvPr id="5" name="Footer Placeholder 4"/>
+          <p:cNvSpPr>
+            <a:spLocks noGrp="1"/>
+          </p:cNvSpPr>
+          <p:nvPr>
+            <p:ph type="ftr" sz="quarter" idx="11"/>
+          </p:nvPr>
+        </p:nvSpPr>
+        <p:spPr/>
+        <p:txBody>
+          <a:bodyPr/>
+          <a:lstStyle/>
+          <a:p>
+            <a:r>
+              <a:rPr lang="en-US" sz="1600" dirty="0" err="1" smtClean="0"/>
+              <a:t>Subhash</a:t>
+            </a:r>
+            <a:endParaRPr lang="en-US" sz="1600" dirty="0"/>
           </a:p>
         </p:txBody>
       </p:sp>
     </p:spTree>
     <p:extLst>
       <p:ext uri="{BB962C8B-B14F-4D97-AF65-F5344CB8AC3E}">
-        <p14:creationId xmlns:p14="http://schemas.microsoft.com/office/powerpoint/2010/main" val="1726778749"/>
+        <p14:creationId xmlns:p14="http://schemas.microsoft.com/office/powerpoint/2010/main" val="1413924937"/>
       </p:ext>
     </p:extLst>
   </p:cSld>
   <p:clrMapOvr>
     <a:masterClrMapping/>
   </p:clrMapOvr>
-  <p:timing>
-    <p:tnLst>
-      <p:par>
-        <p:cTn id="1" dur="indefinite" restart="never" nodeType="tmRoot"/>
-      </p:par>
-    </p:tnLst>
-  </p:timing>
 </p:sld>
 </file>
 
@@ -6129,7 +6658,7 @@
           <a:p>
             <a:r>
               <a:rPr lang="en-US" dirty="0" smtClean="0"/>
-              <a:t>Conclusion:</a:t>
+              <a:t>Requirements to build a Alexa Skill set:</a:t>
             </a:r>
             <a:endParaRPr lang="en-US" dirty="0"/>
           </a:p>
@@ -6147,29 +6676,61 @@
         </p:nvSpPr>
         <p:spPr>
           <a:xfrm>
-            <a:off x="838200" y="1347537"/>
-            <a:ext cx="10515600" cy="4697079"/>
+            <a:off x="453189" y="1825625"/>
+            <a:ext cx="9761622" cy="4351338"/>
           </a:xfrm>
         </p:spPr>
         <p:txBody>
           <a:bodyPr/>
           <a:lstStyle/>
           <a:p>
-            <a:pPr marL="0" indent="0">
-              <a:buNone/>
-            </a:pPr>
             <a:r>
               <a:rPr lang="en-US" dirty="0" smtClean="0"/>
-              <a:t>Hence, using the Amazon aws we can develop cool Alexa skills so that it answer our queries. </a:t>
+              <a:t>Visual Studio (2015) or newer with AWS Toolkit for Visual Studio.</a:t>
+            </a:r>
+          </a:p>
+          <a:p>
+            <a:r>
+              <a:rPr lang="en-US" dirty="0" smtClean="0"/>
+              <a:t>Sign up for an AWS Account.</a:t>
+            </a:r>
+          </a:p>
+          <a:p>
+            <a:r>
+              <a:rPr lang="en-US" dirty="0" smtClean="0"/>
+              <a:t>Sign up for an Amazon Developer Account.</a:t>
             </a:r>
             <a:endParaRPr lang="en-US" dirty="0"/>
+          </a:p>
+        </p:txBody>
+      </p:sp>
+      <p:sp>
+        <p:nvSpPr>
+          <p:cNvPr id="4" name="Footer Placeholder 3"/>
+          <p:cNvSpPr>
+            <a:spLocks noGrp="1"/>
+          </p:cNvSpPr>
+          <p:nvPr>
+            <p:ph type="ftr" sz="quarter" idx="11"/>
+          </p:nvPr>
+        </p:nvSpPr>
+        <p:spPr/>
+        <p:txBody>
+          <a:bodyPr/>
+          <a:lstStyle/>
+          <a:p>
+            <a:r>
+              <a:rPr lang="en-US" sz="1600" dirty="0" err="1" smtClean="0"/>
+              <a:t>Subhash</a:t>
+            </a:r>
+            <a:endParaRPr lang="en-US" sz="1600" dirty="0"/>
           </a:p>
         </p:txBody>
       </p:sp>
     </p:spTree>
     <p:extLst>
       <p:ext uri="{BB962C8B-B14F-4D97-AF65-F5344CB8AC3E}">
-        <p14:creationId xmlns:p14="http://schemas.microsoft.com/office/powerpoint/2010/main" val="2523250264"/>
+        <p14:creationId xmlns:p14="http://schemas.microsoft.com/office/powerpoint/2010/main" val="1218013523"/>
       </p:ext>
     </p:extLst>
   </p:cSld>
@@ -6220,7 +6781,7 @@
           <a:p>
             <a:r>
               <a:rPr lang="en-US" dirty="0" smtClean="0"/>
-              <a:t>References:</a:t>
+              <a:t>Steps to build an Alexa skill set:</a:t>
             </a:r>
             <a:endParaRPr lang="en-US" dirty="0"/>
           </a:p>
@@ -6238,46 +6799,93 @@
         </p:nvSpPr>
         <p:spPr>
           <a:xfrm>
-            <a:off x="884321" y="1359569"/>
-            <a:ext cx="10423358" cy="4636921"/>
+            <a:off x="838200" y="1467853"/>
+            <a:ext cx="10327105" cy="4853489"/>
           </a:xfrm>
         </p:spPr>
         <p:txBody>
           <a:bodyPr/>
           <a:lstStyle/>
           <a:p>
+            <a:r>
+              <a:rPr lang="en-US" dirty="0" smtClean="0"/>
+              <a:t>Build an Alexa skill at </a:t>
+            </a:r>
             <a:r>
               <a:rPr lang="en-US" dirty="0" smtClean="0">
                 <a:hlinkClick r:id="rId2"/>
               </a:rPr>
-              <a:t>https://blogs.msdn.microsoft.com/appconsult/2018/11/02/build-your-first-alexa-skill-with-alexa-net-and-azure-functions-the-basics/</a:t>
+              <a:t>https://developer.amazon.com/alexa</a:t>
             </a:r>
             <a:endParaRPr lang="en-US" dirty="0" smtClean="0"/>
           </a:p>
           <a:p>
             <a:r>
-              <a:rPr lang="en-US" dirty="0" smtClean="0">
-                <a:hlinkClick r:id="rId3"/>
-              </a:rPr>
-              <a:t>https://www.youtube.com/watch?v=BPWmaYJIjCk&amp;t=1723s</a:t>
-            </a:r>
-            <a:endParaRPr lang="en-US" dirty="0" smtClean="0"/>
-          </a:p>
-          <a:p>
-            <a:r>
-              <a:rPr lang="en-US" dirty="0" smtClean="0">
-                <a:hlinkClick r:id="rId4"/>
-              </a:rPr>
-              <a:t>http://timheuer.com/blog/archive/2016/12/12/amazon-alexa-skill-using-c-sharp-dotnet-core.aspx</a:t>
-            </a:r>
-            <a:endParaRPr lang="en-US" dirty="0" smtClean="0"/>
+              <a:rPr lang="en-US" dirty="0" smtClean="0"/>
+              <a:t>Create your intents with sample utterances and slots .</a:t>
+            </a:r>
+          </a:p>
+          <a:p>
+            <a:r>
+              <a:rPr lang="en-US" dirty="0" smtClean="0"/>
+              <a:t>Build a function in your amazon developer console.</a:t>
+            </a:r>
+          </a:p>
+          <a:p>
+            <a:r>
+              <a:rPr lang="en-US" dirty="0" smtClean="0"/>
+              <a:t>Give your amazon credentials and select the platform in which you want to develop an application.</a:t>
+            </a:r>
+          </a:p>
+          <a:p>
+            <a:r>
+              <a:rPr lang="en-US" dirty="0" smtClean="0"/>
+              <a:t>Develop the code and deploy it in the Amazon developer account with the end points this deployment is </a:t>
+            </a:r>
+            <a:r>
+              <a:rPr lang="en-US" dirty="0" err="1" smtClean="0"/>
+              <a:t>serverless</a:t>
+            </a:r>
+            <a:r>
+              <a:rPr lang="en-US" dirty="0" smtClean="0"/>
+              <a:t>.</a:t>
+            </a:r>
+            <a:endParaRPr lang="en-US" dirty="0"/>
+          </a:p>
+        </p:txBody>
+      </p:sp>
+      <p:sp>
+        <p:nvSpPr>
+          <p:cNvPr id="4" name="Footer Placeholder 3"/>
+          <p:cNvSpPr>
+            <a:spLocks noGrp="1"/>
+          </p:cNvSpPr>
+          <p:nvPr>
+            <p:ph type="ftr" sz="quarter" idx="11"/>
+          </p:nvPr>
+        </p:nvSpPr>
+        <p:spPr>
+          <a:xfrm>
+            <a:off x="677334" y="5956217"/>
+            <a:ext cx="6297612" cy="365125"/>
+          </a:xfrm>
+        </p:spPr>
+        <p:txBody>
+          <a:bodyPr/>
+          <a:lstStyle/>
+          <a:p>
+            <a:r>
+              <a:rPr lang="en-US" sz="1600" dirty="0" err="1" smtClean="0"/>
+              <a:t>Subhash</a:t>
+            </a:r>
+            <a:endParaRPr lang="en-US" sz="1600" dirty="0"/>
           </a:p>
         </p:txBody>
       </p:sp>
     </p:spTree>
     <p:extLst>
       <p:ext uri="{BB962C8B-B14F-4D97-AF65-F5344CB8AC3E}">
-        <p14:creationId xmlns:p14="http://schemas.microsoft.com/office/powerpoint/2010/main" val="3189289608"/>
+        <p14:creationId xmlns:p14="http://schemas.microsoft.com/office/powerpoint/2010/main" val="1726778749"/>
       </p:ext>
     </p:extLst>
   </p:cSld>
@@ -6321,6 +6929,251 @@
             <p:ph type="title"/>
           </p:nvPr>
         </p:nvSpPr>
+        <p:spPr/>
+        <p:txBody>
+          <a:bodyPr/>
+          <a:lstStyle/>
+          <a:p>
+            <a:r>
+              <a:rPr lang="en-US" dirty="0" smtClean="0"/>
+              <a:t>Conclusion:</a:t>
+            </a:r>
+            <a:endParaRPr lang="en-US" dirty="0"/>
+          </a:p>
+        </p:txBody>
+      </p:sp>
+      <p:sp>
+        <p:nvSpPr>
+          <p:cNvPr id="3" name="Content Placeholder 2"/>
+          <p:cNvSpPr>
+            <a:spLocks noGrp="1"/>
+          </p:cNvSpPr>
+          <p:nvPr>
+            <p:ph sz="half" idx="1"/>
+          </p:nvPr>
+        </p:nvSpPr>
+        <p:spPr>
+          <a:xfrm>
+            <a:off x="838200" y="1347537"/>
+            <a:ext cx="10515600" cy="4697079"/>
+          </a:xfrm>
+        </p:spPr>
+        <p:txBody>
+          <a:bodyPr/>
+          <a:lstStyle/>
+          <a:p>
+            <a:pPr marL="0" indent="0">
+              <a:buNone/>
+            </a:pPr>
+            <a:r>
+              <a:rPr lang="en-US" dirty="0" smtClean="0"/>
+              <a:t>Hence, using the Amazon aws we can develop cool Alexa skills so that it answer our queries. </a:t>
+            </a:r>
+            <a:endParaRPr lang="en-US" dirty="0"/>
+          </a:p>
+        </p:txBody>
+      </p:sp>
+      <p:sp>
+        <p:nvSpPr>
+          <p:cNvPr id="4" name="Footer Placeholder 3"/>
+          <p:cNvSpPr>
+            <a:spLocks noGrp="1"/>
+          </p:cNvSpPr>
+          <p:nvPr>
+            <p:ph type="ftr" sz="quarter" idx="11"/>
+          </p:nvPr>
+        </p:nvSpPr>
+        <p:spPr/>
+        <p:txBody>
+          <a:bodyPr/>
+          <a:lstStyle/>
+          <a:p>
+            <a:r>
+              <a:rPr lang="en-US" sz="1600" dirty="0" err="1" smtClean="0"/>
+              <a:t>Subhash</a:t>
+            </a:r>
+            <a:endParaRPr lang="en-US" sz="1600" dirty="0"/>
+          </a:p>
+        </p:txBody>
+      </p:sp>
+    </p:spTree>
+    <p:extLst>
+      <p:ext uri="{BB962C8B-B14F-4D97-AF65-F5344CB8AC3E}">
+        <p14:creationId xmlns:p14="http://schemas.microsoft.com/office/powerpoint/2010/main" val="2523250264"/>
+      </p:ext>
+    </p:extLst>
+  </p:cSld>
+  <p:clrMapOvr>
+    <a:masterClrMapping/>
+  </p:clrMapOvr>
+  <p:timing>
+    <p:tnLst>
+      <p:par>
+        <p:cTn id="1" dur="indefinite" restart="never" nodeType="tmRoot"/>
+      </p:par>
+    </p:tnLst>
+  </p:timing>
+</p:sld>
+</file>
+
+<file path=ppt/slides/slide14.xml><?xml version="1.0" encoding="utf-8"?>
+<p:sld xmlns:a="http://schemas.openxmlformats.org/drawingml/2006/main" xmlns:r="http://schemas.openxmlformats.org/officeDocument/2006/relationships" xmlns:p="http://schemas.openxmlformats.org/presentationml/2006/main">
+  <p:cSld>
+    <p:spTree>
+      <p:nvGrpSpPr>
+        <p:cNvPr id="1" name=""/>
+        <p:cNvGrpSpPr/>
+        <p:nvPr/>
+      </p:nvGrpSpPr>
+      <p:grpSpPr>
+        <a:xfrm>
+          <a:off x="0" y="0"/>
+          <a:ext cx="0" cy="0"/>
+          <a:chOff x="0" y="0"/>
+          <a:chExt cx="0" cy="0"/>
+        </a:xfrm>
+      </p:grpSpPr>
+      <p:sp>
+        <p:nvSpPr>
+          <p:cNvPr id="2" name="Title 1"/>
+          <p:cNvSpPr>
+            <a:spLocks noGrp="1"/>
+          </p:cNvSpPr>
+          <p:nvPr>
+            <p:ph type="title"/>
+          </p:nvPr>
+        </p:nvSpPr>
+        <p:spPr/>
+        <p:txBody>
+          <a:bodyPr/>
+          <a:lstStyle/>
+          <a:p>
+            <a:r>
+              <a:rPr lang="en-US" dirty="0" smtClean="0"/>
+              <a:t>References:</a:t>
+            </a:r>
+            <a:endParaRPr lang="en-US" dirty="0"/>
+          </a:p>
+        </p:txBody>
+      </p:sp>
+      <p:sp>
+        <p:nvSpPr>
+          <p:cNvPr id="3" name="Content Placeholder 2"/>
+          <p:cNvSpPr>
+            <a:spLocks noGrp="1"/>
+          </p:cNvSpPr>
+          <p:nvPr>
+            <p:ph sz="half" idx="1"/>
+          </p:nvPr>
+        </p:nvSpPr>
+        <p:spPr>
+          <a:xfrm>
+            <a:off x="884321" y="1359569"/>
+            <a:ext cx="10423358" cy="4636921"/>
+          </a:xfrm>
+        </p:spPr>
+        <p:txBody>
+          <a:bodyPr/>
+          <a:lstStyle/>
+          <a:p>
+            <a:r>
+              <a:rPr lang="en-US" dirty="0" smtClean="0">
+                <a:hlinkClick r:id="rId2"/>
+              </a:rPr>
+              <a:t>https://blogs.msdn.microsoft.com/appconsult/2018/11/02/build-your-first-alexa-skill-with-alexa-net-and-azure-functions-the-basics/</a:t>
+            </a:r>
+            <a:endParaRPr lang="en-US" dirty="0" smtClean="0"/>
+          </a:p>
+          <a:p>
+            <a:r>
+              <a:rPr lang="en-US" dirty="0" smtClean="0">
+                <a:hlinkClick r:id="rId3"/>
+              </a:rPr>
+              <a:t>https://www.youtube.com/watch?v=BPWmaYJIjCk&amp;t=1723s</a:t>
+            </a:r>
+            <a:endParaRPr lang="en-US" dirty="0" smtClean="0"/>
+          </a:p>
+          <a:p>
+            <a:r>
+              <a:rPr lang="en-US" dirty="0" smtClean="0">
+                <a:hlinkClick r:id="rId4"/>
+              </a:rPr>
+              <a:t>http://timheuer.com/blog/archive/2016/12/12/amazon-alexa-skill-using-c-sharp-dotnet-core.aspx</a:t>
+            </a:r>
+            <a:endParaRPr lang="en-US" dirty="0" smtClean="0"/>
+          </a:p>
+        </p:txBody>
+      </p:sp>
+      <p:sp>
+        <p:nvSpPr>
+          <p:cNvPr id="4" name="Footer Placeholder 3"/>
+          <p:cNvSpPr>
+            <a:spLocks noGrp="1"/>
+          </p:cNvSpPr>
+          <p:nvPr>
+            <p:ph type="ftr" sz="quarter" idx="11"/>
+          </p:nvPr>
+        </p:nvSpPr>
+        <p:spPr/>
+        <p:txBody>
+          <a:bodyPr/>
+          <a:lstStyle/>
+          <a:p>
+            <a:r>
+              <a:rPr lang="en-US" smtClean="0"/>
+              <a:t>Rahul</a:t>
+            </a:r>
+            <a:endParaRPr lang="en-US"/>
+          </a:p>
+        </p:txBody>
+      </p:sp>
+    </p:spTree>
+    <p:extLst>
+      <p:ext uri="{BB962C8B-B14F-4D97-AF65-F5344CB8AC3E}">
+        <p14:creationId xmlns:p14="http://schemas.microsoft.com/office/powerpoint/2010/main" val="3189289608"/>
+      </p:ext>
+    </p:extLst>
+  </p:cSld>
+  <p:clrMapOvr>
+    <a:masterClrMapping/>
+  </p:clrMapOvr>
+  <p:timing>
+    <p:tnLst>
+      <p:par>
+        <p:cTn id="1" dur="indefinite" restart="never" nodeType="tmRoot"/>
+      </p:par>
+    </p:tnLst>
+  </p:timing>
+</p:sld>
+</file>
+
+<file path=ppt/slides/slide15.xml><?xml version="1.0" encoding="utf-8"?>
+<p:sld xmlns:a="http://schemas.openxmlformats.org/drawingml/2006/main" xmlns:r="http://schemas.openxmlformats.org/officeDocument/2006/relationships" xmlns:p="http://schemas.openxmlformats.org/presentationml/2006/main">
+  <p:cSld>
+    <p:spTree>
+      <p:nvGrpSpPr>
+        <p:cNvPr id="1" name=""/>
+        <p:cNvGrpSpPr/>
+        <p:nvPr/>
+      </p:nvGrpSpPr>
+      <p:grpSpPr>
+        <a:xfrm>
+          <a:off x="0" y="0"/>
+          <a:ext cx="0" cy="0"/>
+          <a:chOff x="0" y="0"/>
+          <a:chExt cx="0" cy="0"/>
+        </a:xfrm>
+      </p:grpSpPr>
+      <p:sp>
+        <p:nvSpPr>
+          <p:cNvPr id="2" name="Title 1"/>
+          <p:cNvSpPr>
+            <a:spLocks noGrp="1"/>
+          </p:cNvSpPr>
+          <p:nvPr>
+            <p:ph type="title"/>
+          </p:nvPr>
+        </p:nvSpPr>
         <p:spPr>
           <a:xfrm>
             <a:off x="640590" y="934985"/>
@@ -6336,11 +7189,7 @@
             <a:pPr algn="ctr"/>
             <a:r>
               <a:rPr lang="en-US" sz="6600" dirty="0" smtClean="0"/>
-              <a:t>THANK </a:t>
-            </a:r>
-            <a:r>
-              <a:rPr lang="en-US" sz="6600" dirty="0" smtClean="0"/>
-              <a:t>YOU!</a:t>
+              <a:t>THANK YOU!</a:t>
             </a:r>
             <a:endParaRPr lang="en-US" sz="6600" dirty="0"/>
           </a:p>
@@ -6348,14 +7197,14 @@
       </p:sp>
       <p:pic>
         <p:nvPicPr>
-          <p:cNvPr id="3" name="Picture 2"/>
+          <p:cNvPr id="5" name="Picture 4"/>
           <p:cNvPicPr>
             <a:picLocks noChangeAspect="1"/>
           </p:cNvPicPr>
           <p:nvPr/>
         </p:nvPicPr>
         <p:blipFill>
-          <a:blip r:embed="rId2">
+          <a:blip r:embed="rId2" cstate="print">
             <a:extLst>
               <a:ext uri="{28A0092B-C50C-407E-A947-70E740481C1C}">
                 <a14:useLocalDpi xmlns:a14="http://schemas.microsoft.com/office/drawing/2010/main" val="0"/>
@@ -6368,67 +7217,7 @@
         </p:blipFill>
         <p:spPr>
           <a:xfrm>
-            <a:off x="1452488" y="3662703"/>
-            <a:ext cx="1057423" cy="1333686"/>
-          </a:xfrm>
-          <a:prstGeom prst="rect">
-            <a:avLst/>
-          </a:prstGeom>
-        </p:spPr>
-      </p:pic>
-      <p:pic>
-        <p:nvPicPr>
-          <p:cNvPr id="4" name="Picture 3"/>
-          <p:cNvPicPr>
-            <a:picLocks noChangeAspect="1"/>
-          </p:cNvPicPr>
-          <p:nvPr/>
-        </p:nvPicPr>
-        <p:blipFill>
-          <a:blip r:embed="rId3" cstate="print">
-            <a:extLst>
-              <a:ext uri="{28A0092B-C50C-407E-A947-70E740481C1C}">
-                <a14:useLocalDpi xmlns:a14="http://schemas.microsoft.com/office/drawing/2010/main" val="0"/>
-              </a:ext>
-            </a:extLst>
-          </a:blip>
-          <a:stretch>
-            <a:fillRect/>
-          </a:stretch>
-        </p:blipFill>
-        <p:spPr>
-          <a:xfrm>
-            <a:off x="3117273" y="3662703"/>
-            <a:ext cx="1427018" cy="1333686"/>
-          </a:xfrm>
-          <a:prstGeom prst="rect">
-            <a:avLst/>
-          </a:prstGeom>
-        </p:spPr>
-      </p:pic>
-      <p:pic>
-        <p:nvPicPr>
-          <p:cNvPr id="5" name="Picture 4"/>
-          <p:cNvPicPr>
-            <a:picLocks noChangeAspect="1"/>
-          </p:cNvPicPr>
-          <p:nvPr/>
-        </p:nvPicPr>
-        <p:blipFill>
-          <a:blip r:embed="rId4" cstate="print">
-            <a:extLst>
-              <a:ext uri="{28A0092B-C50C-407E-A947-70E740481C1C}">
-                <a14:useLocalDpi xmlns:a14="http://schemas.microsoft.com/office/drawing/2010/main" val="0"/>
-              </a:ext>
-            </a:extLst>
-          </a:blip>
-          <a:stretch>
-            <a:fillRect/>
-          </a:stretch>
-        </p:blipFill>
-        <p:spPr>
-          <a:xfrm>
-            <a:off x="5001491" y="3662704"/>
+            <a:off x="5094826" y="2692886"/>
             <a:ext cx="1607127" cy="1333685"/>
           </a:xfrm>
           <a:prstGeom prst="rect">
@@ -6436,36 +7225,29 @@
           </a:prstGeom>
         </p:spPr>
       </p:pic>
-      <p:pic>
-        <p:nvPicPr>
-          <p:cNvPr id="6" name="Picture 5"/>
-          <p:cNvPicPr>
-            <a:picLocks noChangeAspect="1"/>
-          </p:cNvPicPr>
-          <p:nvPr/>
-        </p:nvPicPr>
-        <p:blipFill>
-          <a:blip r:embed="rId5" cstate="print">
-            <a:extLst>
-              <a:ext uri="{28A0092B-C50C-407E-A947-70E740481C1C}">
-                <a14:useLocalDpi xmlns:a14="http://schemas.microsoft.com/office/drawing/2010/main" val="0"/>
-              </a:ext>
-            </a:extLst>
-          </a:blip>
-          <a:stretch>
-            <a:fillRect/>
-          </a:stretch>
-        </p:blipFill>
-        <p:spPr>
-          <a:xfrm>
-            <a:off x="6954982" y="3662704"/>
-            <a:ext cx="1537854" cy="1333685"/>
-          </a:xfrm>
-          <a:prstGeom prst="rect">
-            <a:avLst/>
-          </a:prstGeom>
-        </p:spPr>
-      </p:pic>
+      <p:sp>
+        <p:nvSpPr>
+          <p:cNvPr id="7" name="Footer Placeholder 6"/>
+          <p:cNvSpPr>
+            <a:spLocks noGrp="1"/>
+          </p:cNvSpPr>
+          <p:nvPr>
+            <p:ph type="ftr" sz="quarter" idx="11"/>
+          </p:nvPr>
+        </p:nvSpPr>
+        <p:spPr/>
+        <p:txBody>
+          <a:bodyPr/>
+          <a:lstStyle/>
+          <a:p>
+            <a:r>
+              <a:rPr lang="en-US" sz="1600" dirty="0" smtClean="0"/>
+              <a:t>Sampath </a:t>
+            </a:r>
+            <a:endParaRPr lang="en-US" sz="1600" dirty="0"/>
+          </a:p>
+        </p:txBody>
+      </p:sp>
     </p:spTree>
     <p:extLst>
       <p:ext uri="{BB962C8B-B14F-4D97-AF65-F5344CB8AC3E}">
@@ -6563,6 +7345,29 @@
           </a:p>
         </p:txBody>
       </p:sp>
+      <p:sp>
+        <p:nvSpPr>
+          <p:cNvPr id="4" name="Footer Placeholder 3"/>
+          <p:cNvSpPr>
+            <a:spLocks noGrp="1"/>
+          </p:cNvSpPr>
+          <p:nvPr>
+            <p:ph type="ftr" sz="quarter" idx="11"/>
+          </p:nvPr>
+        </p:nvSpPr>
+        <p:spPr/>
+        <p:txBody>
+          <a:bodyPr/>
+          <a:lstStyle/>
+          <a:p>
+            <a:r>
+              <a:rPr lang="en-US" sz="1600" dirty="0" smtClean="0"/>
+              <a:t>Sandeep</a:t>
+            </a:r>
+            <a:endParaRPr lang="en-US" sz="1600" dirty="0"/>
+          </a:p>
+        </p:txBody>
+      </p:sp>
     </p:spTree>
     <p:extLst>
       <p:ext uri="{BB962C8B-B14F-4D97-AF65-F5344CB8AC3E}">
@@ -6710,14 +7515,51 @@
             </a:pPr>
             <a:r>
               <a:rPr lang="en-US" dirty="0" smtClean="0"/>
-              <a:t>2. Custom Skill</a:t>
-            </a:r>
+              <a:t>2. </a:t>
+            </a:r>
+            <a:r>
+              <a:rPr lang="en-US" dirty="0" smtClean="0"/>
+              <a:t>Flash Briefing Skill</a:t>
+            </a:r>
+          </a:p>
+          <a:p>
+            <a:pPr marL="0" indent="0">
+              <a:buNone/>
+            </a:pPr>
+            <a:r>
+              <a:rPr lang="en-US" dirty="0" smtClean="0"/>
+              <a:t>3. Custom Skill</a:t>
+            </a:r>
+            <a:endParaRPr lang="en-US" dirty="0" smtClean="0"/>
           </a:p>
           <a:p>
             <a:pPr marL="0" indent="0">
               <a:buNone/>
             </a:pPr>
             <a:endParaRPr lang="en-US" dirty="0"/>
+          </a:p>
+        </p:txBody>
+      </p:sp>
+      <p:sp>
+        <p:nvSpPr>
+          <p:cNvPr id="4" name="Footer Placeholder 3"/>
+          <p:cNvSpPr>
+            <a:spLocks noGrp="1"/>
+          </p:cNvSpPr>
+          <p:nvPr>
+            <p:ph type="ftr" sz="quarter" idx="11"/>
+          </p:nvPr>
+        </p:nvSpPr>
+        <p:spPr/>
+        <p:txBody>
+          <a:bodyPr/>
+          <a:lstStyle/>
+          <a:p>
+            <a:r>
+              <a:rPr lang="en-US" sz="1600" dirty="0" smtClean="0"/>
+              <a:t>Sandeep</a:t>
+            </a:r>
+            <a:endParaRPr lang="en-US" sz="1600" dirty="0"/>
           </a:p>
         </p:txBody>
       </p:sp>
@@ -6768,6 +7610,140 @@
             <p:ph type="title"/>
           </p:nvPr>
         </p:nvSpPr>
+        <p:spPr/>
+        <p:txBody>
+          <a:bodyPr/>
+          <a:lstStyle/>
+          <a:p>
+            <a:r>
+              <a:rPr lang="en-US" dirty="0" smtClean="0"/>
+              <a:t>Overview of Custom Skill:</a:t>
+            </a:r>
+            <a:endParaRPr lang="en-US" dirty="0"/>
+          </a:p>
+        </p:txBody>
+      </p:sp>
+      <p:sp>
+        <p:nvSpPr>
+          <p:cNvPr id="3" name="Content Placeholder 2"/>
+          <p:cNvSpPr>
+            <a:spLocks noGrp="1"/>
+          </p:cNvSpPr>
+          <p:nvPr>
+            <p:ph idx="1"/>
+          </p:nvPr>
+        </p:nvSpPr>
+        <p:spPr/>
+        <p:txBody>
+          <a:bodyPr/>
+          <a:lstStyle/>
+          <a:p>
+            <a:r>
+              <a:rPr lang="en-US" sz="2400" dirty="0"/>
+              <a:t>Define skill &amp; setup interaction model</a:t>
+            </a:r>
+          </a:p>
+          <a:p>
+            <a:pPr lvl="1"/>
+            <a:r>
+              <a:rPr lang="en-US" sz="2400" dirty="0"/>
+              <a:t>Define invocation name</a:t>
+            </a:r>
+          </a:p>
+          <a:p>
+            <a:pPr lvl="1"/>
+            <a:r>
+              <a:rPr lang="en-US" sz="2400" dirty="0"/>
+              <a:t>Setup intent schemas</a:t>
+            </a:r>
+          </a:p>
+          <a:p>
+            <a:pPr lvl="1"/>
+            <a:r>
+              <a:rPr lang="en-US" sz="2400" dirty="0"/>
+              <a:t>Define sample utterances</a:t>
+            </a:r>
+          </a:p>
+          <a:p>
+            <a:r>
+              <a:rPr lang="en-US" sz="2400" dirty="0"/>
+              <a:t>Develop and deploy endpoint</a:t>
+            </a:r>
+          </a:p>
+          <a:p>
+            <a:r>
+              <a:rPr lang="en-US" sz="2400" dirty="0"/>
+              <a:t>Test, Associate, Test and Publish endpoint</a:t>
+            </a:r>
+          </a:p>
+          <a:p>
+            <a:endParaRPr lang="en-US" dirty="0"/>
+          </a:p>
+        </p:txBody>
+      </p:sp>
+      <p:sp>
+        <p:nvSpPr>
+          <p:cNvPr id="4" name="Footer Placeholder 3"/>
+          <p:cNvSpPr>
+            <a:spLocks noGrp="1"/>
+          </p:cNvSpPr>
+          <p:nvPr>
+            <p:ph type="ftr" sz="quarter" idx="11"/>
+          </p:nvPr>
+        </p:nvSpPr>
+        <p:spPr/>
+        <p:txBody>
+          <a:bodyPr/>
+          <a:lstStyle/>
+          <a:p>
+            <a:r>
+              <a:rPr lang="en-US" sz="1600" dirty="0" smtClean="0"/>
+              <a:t>Sandeep</a:t>
+            </a:r>
+            <a:endParaRPr lang="en-US" sz="1600" dirty="0"/>
+          </a:p>
+        </p:txBody>
+      </p:sp>
+    </p:spTree>
+    <p:extLst>
+      <p:ext uri="{BB962C8B-B14F-4D97-AF65-F5344CB8AC3E}">
+        <p14:creationId xmlns:p14="http://schemas.microsoft.com/office/powerpoint/2010/main" val="228833002"/>
+      </p:ext>
+    </p:extLst>
+  </p:cSld>
+  <p:clrMapOvr>
+    <a:masterClrMapping/>
+  </p:clrMapOvr>
+</p:sld>
+</file>
+
+<file path=ppt/slides/slide5.xml><?xml version="1.0" encoding="utf-8"?>
+<p:sld xmlns:a="http://schemas.openxmlformats.org/drawingml/2006/main" xmlns:r="http://schemas.openxmlformats.org/officeDocument/2006/relationships" xmlns:p="http://schemas.openxmlformats.org/presentationml/2006/main">
+  <p:cSld>
+    <p:spTree>
+      <p:nvGrpSpPr>
+        <p:cNvPr id="1" name=""/>
+        <p:cNvGrpSpPr/>
+        <p:nvPr/>
+      </p:nvGrpSpPr>
+      <p:grpSpPr>
+        <a:xfrm>
+          <a:off x="0" y="0"/>
+          <a:ext cx="0" cy="0"/>
+          <a:chOff x="0" y="0"/>
+          <a:chExt cx="0" cy="0"/>
+        </a:xfrm>
+      </p:grpSpPr>
+      <p:sp>
+        <p:nvSpPr>
+          <p:cNvPr id="2" name="Title 1"/>
+          <p:cNvSpPr>
+            <a:spLocks noGrp="1"/>
+          </p:cNvSpPr>
+          <p:nvPr>
+            <p:ph type="title"/>
+          </p:nvPr>
+        </p:nvSpPr>
         <p:spPr>
           <a:xfrm>
             <a:off x="838200" y="3886"/>
@@ -6827,7 +7803,7 @@
         </p:nvSpPr>
         <p:spPr>
           <a:xfrm>
-            <a:off x="6256421" y="1141415"/>
+            <a:off x="5768653" y="1529342"/>
             <a:ext cx="5181600" cy="4924090"/>
           </a:xfrm>
         </p:spPr>
@@ -6869,6 +7845,29 @@
               <a:rPr lang="en-US" dirty="0" smtClean="0"/>
               <a:t>Skill Interface: It is a Voice User Interface used to define the utterances , slot types and intent schema of your device.</a:t>
             </a:r>
+          </a:p>
+        </p:txBody>
+      </p:sp>
+      <p:sp>
+        <p:nvSpPr>
+          <p:cNvPr id="3" name="Footer Placeholder 2"/>
+          <p:cNvSpPr>
+            <a:spLocks noGrp="1"/>
+          </p:cNvSpPr>
+          <p:nvPr>
+            <p:ph type="ftr" sz="quarter" idx="11"/>
+          </p:nvPr>
+        </p:nvSpPr>
+        <p:spPr/>
+        <p:txBody>
+          <a:bodyPr/>
+          <a:lstStyle/>
+          <a:p>
+            <a:r>
+              <a:rPr lang="en-US" sz="1600" dirty="0" smtClean="0"/>
+              <a:t>Sandeep</a:t>
+            </a:r>
+            <a:endParaRPr lang="en-US" sz="1600" dirty="0"/>
           </a:p>
         </p:txBody>
       </p:sp>
@@ -6876,142 +7875,6 @@
     <p:extLst>
       <p:ext uri="{BB962C8B-B14F-4D97-AF65-F5344CB8AC3E}">
         <p14:creationId xmlns:p14="http://schemas.microsoft.com/office/powerpoint/2010/main" val="659992382"/>
-      </p:ext>
-    </p:extLst>
-  </p:cSld>
-  <p:clrMapOvr>
-    <a:masterClrMapping/>
-  </p:clrMapOvr>
-  <p:timing>
-    <p:tnLst>
-      <p:par>
-        <p:cTn id="1" dur="indefinite" restart="never" nodeType="tmRoot"/>
-      </p:par>
-    </p:tnLst>
-  </p:timing>
-</p:sld>
-</file>
-
-<file path=ppt/slides/slide5.xml><?xml version="1.0" encoding="utf-8"?>
-<p:sld xmlns:a="http://schemas.openxmlformats.org/drawingml/2006/main" xmlns:r="http://schemas.openxmlformats.org/officeDocument/2006/relationships" xmlns:p="http://schemas.openxmlformats.org/presentationml/2006/main">
-  <p:cSld>
-    <p:spTree>
-      <p:nvGrpSpPr>
-        <p:cNvPr id="1" name=""/>
-        <p:cNvGrpSpPr/>
-        <p:nvPr/>
-      </p:nvGrpSpPr>
-      <p:grpSpPr>
-        <a:xfrm>
-          <a:off x="0" y="0"/>
-          <a:ext cx="0" cy="0"/>
-          <a:chOff x="0" y="0"/>
-          <a:chExt cx="0" cy="0"/>
-        </a:xfrm>
-      </p:grpSpPr>
-      <p:sp>
-        <p:nvSpPr>
-          <p:cNvPr id="2" name="Title 1"/>
-          <p:cNvSpPr>
-            <a:spLocks noGrp="1"/>
-          </p:cNvSpPr>
-          <p:nvPr>
-            <p:ph type="title"/>
-          </p:nvPr>
-        </p:nvSpPr>
-        <p:spPr/>
-        <p:txBody>
-          <a:bodyPr/>
-          <a:lstStyle/>
-          <a:p>
-            <a:r>
-              <a:rPr lang="en-US" dirty="0" smtClean="0"/>
-              <a:t>Components of an Custom skill in Alexa:</a:t>
-            </a:r>
-            <a:endParaRPr lang="en-US" dirty="0"/>
-          </a:p>
-        </p:txBody>
-      </p:sp>
-      <p:sp>
-        <p:nvSpPr>
-          <p:cNvPr id="3" name="Content Placeholder 2"/>
-          <p:cNvSpPr>
-            <a:spLocks noGrp="1"/>
-          </p:cNvSpPr>
-          <p:nvPr>
-            <p:ph sz="half" idx="1"/>
-          </p:nvPr>
-        </p:nvSpPr>
-        <p:spPr>
-          <a:xfrm>
-            <a:off x="956510" y="1690688"/>
-            <a:ext cx="10278979" cy="4829426"/>
-          </a:xfrm>
-        </p:spPr>
-        <p:txBody>
-          <a:bodyPr/>
-          <a:lstStyle/>
-          <a:p>
-            <a:pPr marL="0" indent="0">
-              <a:buNone/>
-            </a:pPr>
-            <a:r>
-              <a:rPr lang="en-US" dirty="0" smtClean="0"/>
-              <a:t>The components of an Alexa sill include:</a:t>
-            </a:r>
-          </a:p>
-          <a:p>
-            <a:pPr marL="514350" indent="-514350">
-              <a:buAutoNum type="arabicPeriod"/>
-            </a:pPr>
-            <a:r>
-              <a:rPr lang="en-US" dirty="0" smtClean="0"/>
-              <a:t>Intents: Represents the action that users can do with your skill</a:t>
-            </a:r>
-          </a:p>
-          <a:p>
-            <a:pPr marL="514350" indent="-514350">
-              <a:buAutoNum type="arabicPeriod"/>
-            </a:pPr>
-            <a:r>
-              <a:rPr lang="en-US" dirty="0" smtClean="0"/>
-              <a:t>Sample Utterances: Specify the words and phrases.</a:t>
-            </a:r>
-          </a:p>
-          <a:p>
-            <a:pPr marL="514350" indent="-514350">
-              <a:buAutoNum type="arabicPeriod"/>
-            </a:pPr>
-            <a:r>
-              <a:rPr lang="en-US" dirty="0" smtClean="0"/>
-              <a:t>Invocation name: Identifies the skill.</a:t>
-            </a:r>
-          </a:p>
-          <a:p>
-            <a:pPr marL="514350" indent="-514350">
-              <a:buAutoNum type="arabicPeriod"/>
-            </a:pPr>
-            <a:r>
-              <a:rPr lang="en-US" dirty="0" smtClean="0"/>
-              <a:t>Cloud-based Service: Accepts the Intent and acts on them.</a:t>
-            </a:r>
-          </a:p>
-          <a:p>
-            <a:pPr marL="514350" indent="-514350">
-              <a:buAutoNum type="arabicPeriod"/>
-            </a:pPr>
-            <a:r>
-              <a:rPr lang="en-US" dirty="0" smtClean="0"/>
-              <a:t>Configuration: Combines all this and creates in a developer portal.</a:t>
-            </a:r>
-            <a:endParaRPr lang="en-US" dirty="0"/>
-          </a:p>
-        </p:txBody>
-      </p:sp>
-    </p:spTree>
-    <p:extLst>
-      <p:ext uri="{BB962C8B-B14F-4D97-AF65-F5344CB8AC3E}">
-        <p14:creationId xmlns:p14="http://schemas.microsoft.com/office/powerpoint/2010/main" val="1873183769"/>
       </p:ext>
     </p:extLst>
   </p:cSld>
@@ -7062,7 +7925,7 @@
           <a:p>
             <a:r>
               <a:rPr lang="en-US" dirty="0" smtClean="0"/>
-              <a:t>Example:</a:t>
+              <a:t>Components of an Custom skill in Alexa:</a:t>
             </a:r>
             <a:endParaRPr lang="en-US" dirty="0"/>
           </a:p>
@@ -7070,7 +7933,7 @@
       </p:sp>
       <p:sp>
         <p:nvSpPr>
-          <p:cNvPr id="6" name="Content Placeholder 5"/>
+          <p:cNvPr id="3" name="Content Placeholder 2"/>
           <p:cNvSpPr>
             <a:spLocks noGrp="1"/>
           </p:cNvSpPr>
@@ -7080,8 +7943,8 @@
         </p:nvSpPr>
         <p:spPr>
           <a:xfrm>
-            <a:off x="838200" y="1455821"/>
-            <a:ext cx="10748211" cy="5221705"/>
+            <a:off x="956510" y="1690688"/>
+            <a:ext cx="10278979" cy="4829426"/>
           </a:xfrm>
         </p:spPr>
         <p:txBody>
@@ -7093,75 +7956,84 @@
             </a:pPr>
             <a:r>
               <a:rPr lang="en-US" dirty="0" smtClean="0"/>
-              <a:t>CountryInfoIntent the capitol of {Country}</a:t>
-            </a:r>
-          </a:p>
-          <a:p>
-            <a:pPr marL="0" indent="0">
-              <a:buNone/>
+              <a:t>The components of an Alexa sill include:</a:t>
+            </a:r>
+          </a:p>
+          <a:p>
+            <a:pPr marL="514350" indent="-514350">
+              <a:buAutoNum type="arabicPeriod"/>
             </a:pPr>
             <a:r>
               <a:rPr lang="en-US" dirty="0" smtClean="0"/>
-              <a:t>CountryInfoIntent get the capitol of {Country}</a:t>
-            </a:r>
-          </a:p>
-          <a:p>
-            <a:pPr marL="0" indent="0">
-              <a:buNone/>
+              <a:t>Intents: Represents the action that users can do with your skill</a:t>
+            </a:r>
+          </a:p>
+          <a:p>
+            <a:pPr marL="514350" indent="-514350">
+              <a:buAutoNum type="arabicPeriod"/>
             </a:pPr>
             <a:r>
               <a:rPr lang="en-US" dirty="0" smtClean="0"/>
-              <a:t>CountryInfoIntent country info for {Country}</a:t>
-            </a:r>
-          </a:p>
-          <a:p>
-            <a:pPr marL="0" indent="0">
-              <a:buNone/>
+              <a:t>Sample Utterances: Specify the words and phrases.</a:t>
+            </a:r>
+          </a:p>
+          <a:p>
+            <a:pPr marL="514350" indent="-514350">
+              <a:buAutoNum type="arabicPeriod"/>
             </a:pPr>
             <a:r>
               <a:rPr lang="en-US" dirty="0" smtClean="0"/>
-              <a:t>CountryInfoIntent what is the capitol of {Country}</a:t>
-            </a:r>
-          </a:p>
-          <a:p>
-            <a:pPr marL="0" indent="0">
-              <a:buNone/>
+              <a:t>Invocation name: Identifies the skill.</a:t>
+            </a:r>
+          </a:p>
+          <a:p>
+            <a:pPr marL="514350" indent="-514350">
+              <a:buAutoNum type="arabicPeriod"/>
             </a:pPr>
             <a:r>
               <a:rPr lang="en-US" dirty="0" smtClean="0"/>
-              <a:t>CountryInfoIntent about {Country}</a:t>
-            </a:r>
-          </a:p>
-          <a:p>
-            <a:pPr marL="0" indent="0">
-              <a:buNone/>
+              <a:t>Cloud-based Service: Accepts the Intent and acts on them.</a:t>
+            </a:r>
+          </a:p>
+          <a:p>
+            <a:pPr marL="514350" indent="-514350">
+              <a:buAutoNum type="arabicPeriod"/>
             </a:pPr>
             <a:r>
               <a:rPr lang="en-US" dirty="0" smtClean="0"/>
-              <a:t>CountryInfoIntent {Country}</a:t>
-            </a:r>
-          </a:p>
-          <a:p>
-            <a:pPr marL="0" indent="0">
-              <a:buNone/>
-            </a:pPr>
-            <a:r>
-              <a:rPr lang="en-US" dirty="0" smtClean="0"/>
-              <a:t>CountryInfoIntent tell me the capitol of {Country}</a:t>
-            </a:r>
-          </a:p>
-          <a:p>
-            <a:pPr marL="0" indent="0">
-              <a:buNone/>
-            </a:pPr>
+              <a:t>Configuration: Combines all this and creates in a developer portal.</a:t>
+            </a:r>
             <a:endParaRPr lang="en-US" dirty="0"/>
+          </a:p>
+        </p:txBody>
+      </p:sp>
+      <p:sp>
+        <p:nvSpPr>
+          <p:cNvPr id="4" name="Footer Placeholder 3"/>
+          <p:cNvSpPr>
+            <a:spLocks noGrp="1"/>
+          </p:cNvSpPr>
+          <p:nvPr>
+            <p:ph type="ftr" sz="quarter" idx="11"/>
+          </p:nvPr>
+        </p:nvSpPr>
+        <p:spPr/>
+        <p:txBody>
+          <a:bodyPr/>
+          <a:lstStyle/>
+          <a:p>
+            <a:r>
+              <a:rPr lang="en-US" sz="1600" dirty="0" smtClean="0"/>
+              <a:t>Rahul</a:t>
+            </a:r>
+            <a:endParaRPr lang="en-US" sz="1600" dirty="0"/>
           </a:p>
         </p:txBody>
       </p:sp>
     </p:spTree>
     <p:extLst>
       <p:ext uri="{BB962C8B-B14F-4D97-AF65-F5344CB8AC3E}">
-        <p14:creationId xmlns:p14="http://schemas.microsoft.com/office/powerpoint/2010/main" val="1175791555"/>
+        <p14:creationId xmlns:p14="http://schemas.microsoft.com/office/powerpoint/2010/main" val="1873183769"/>
       </p:ext>
     </p:extLst>
   </p:cSld>
@@ -7205,50 +8077,54 @@
             <p:ph type="title"/>
           </p:nvPr>
         </p:nvSpPr>
+        <p:spPr/>
+        <p:txBody>
+          <a:bodyPr/>
+          <a:lstStyle/>
+          <a:p>
+            <a:r>
+              <a:rPr lang="en-US" dirty="0" smtClean="0"/>
+              <a:t>Example:</a:t>
+            </a:r>
+            <a:endParaRPr lang="en-US" dirty="0"/>
+          </a:p>
+        </p:txBody>
+      </p:sp>
+      <p:sp>
+        <p:nvSpPr>
+          <p:cNvPr id="6" name="Content Placeholder 5"/>
+          <p:cNvSpPr>
+            <a:spLocks noGrp="1"/>
+          </p:cNvSpPr>
+          <p:nvPr>
+            <p:ph sz="half" idx="1"/>
+          </p:nvPr>
+        </p:nvSpPr>
         <p:spPr>
           <a:xfrm>
-            <a:off x="838200" y="473409"/>
-            <a:ext cx="10515600" cy="1325563"/>
+            <a:off x="838200" y="1455821"/>
+            <a:ext cx="10748211" cy="5221705"/>
           </a:xfrm>
         </p:spPr>
         <p:txBody>
           <a:bodyPr/>
           <a:lstStyle/>
           <a:p>
+            <a:pPr marL="0" indent="0">
+              <a:buNone/>
+            </a:pPr>
             <a:r>
               <a:rPr lang="en-US" dirty="0" smtClean="0"/>
-              <a:t>Continue….</a:t>
-            </a:r>
-            <a:endParaRPr lang="en-US" dirty="0"/>
-          </a:p>
-        </p:txBody>
-      </p:sp>
-      <p:sp>
-        <p:nvSpPr>
-          <p:cNvPr id="3" name="Content Placeholder 2"/>
-          <p:cNvSpPr>
-            <a:spLocks noGrp="1"/>
-          </p:cNvSpPr>
-          <p:nvPr>
-            <p:ph sz="half" idx="1"/>
-          </p:nvPr>
-        </p:nvSpPr>
-        <p:spPr>
-          <a:xfrm>
-            <a:off x="838200" y="1684421"/>
-            <a:ext cx="10515600" cy="4841458"/>
-          </a:xfrm>
-        </p:spPr>
-        <p:txBody>
-          <a:bodyPr/>
-          <a:lstStyle/>
+              <a:t>CountryInfoIntent the capitol of {Country}</a:t>
+            </a:r>
+          </a:p>
           <a:p>
             <a:pPr marL="0" indent="0">
               <a:buNone/>
             </a:pPr>
             <a:r>
               <a:rPr lang="en-US" dirty="0" smtClean="0"/>
-              <a:t>“Alexa , get the capitol of Brazil from Country Pool”.</a:t>
+              <a:t>CountryInfoIntent get the capitol of {Country}</a:t>
             </a:r>
           </a:p>
           <a:p>
@@ -7257,7 +8133,7 @@
             </a:pPr>
             <a:r>
               <a:rPr lang="en-US" dirty="0" smtClean="0"/>
-              <a:t>Sample utterance: get the capitol of.</a:t>
+              <a:t>CountryInfoIntent country info for {Country}</a:t>
             </a:r>
           </a:p>
           <a:p>
@@ -7266,7 +8142,7 @@
             </a:pPr>
             <a:r>
               <a:rPr lang="en-US" dirty="0" smtClean="0"/>
-              <a:t>Invocation name: Country Pool.</a:t>
+              <a:t>CountryInfoIntent what is the capitol of {Country}</a:t>
             </a:r>
           </a:p>
           <a:p>
@@ -7275,7 +8151,7 @@
             </a:pPr>
             <a:r>
               <a:rPr lang="en-US" dirty="0" smtClean="0"/>
-              <a:t>Slot : Brazil.</a:t>
+              <a:t>CountryInfoIntent about {Country}</a:t>
             </a:r>
           </a:p>
           <a:p>
@@ -7284,7 +8160,7 @@
             </a:pPr>
             <a:r>
               <a:rPr lang="en-US" dirty="0" smtClean="0"/>
-              <a:t>This model is called as an Interaction model.</a:t>
+              <a:t>CountryInfoIntent {Country}</a:t>
             </a:r>
           </a:p>
           <a:p>
@@ -7293,27 +8169,44 @@
             </a:pPr>
             <a:r>
               <a:rPr lang="en-US" dirty="0" smtClean="0"/>
-              <a:t>Thus, we have created an interactive service with slots.</a:t>
-            </a:r>
-          </a:p>
-          <a:p>
-            <a:pPr marL="0" indent="0">
-              <a:buNone/>
-            </a:pPr>
-            <a:endParaRPr lang="en-US" dirty="0" smtClean="0"/>
+              <a:t>CountryInfoIntent tell me the capitol of {Country}</a:t>
+            </a:r>
           </a:p>
           <a:p>
             <a:pPr marL="0" indent="0">
               <a:buNone/>
             </a:pPr>
             <a:endParaRPr lang="en-US" dirty="0"/>
+          </a:p>
+        </p:txBody>
+      </p:sp>
+      <p:sp>
+        <p:nvSpPr>
+          <p:cNvPr id="3" name="Footer Placeholder 2"/>
+          <p:cNvSpPr>
+            <a:spLocks noGrp="1"/>
+          </p:cNvSpPr>
+          <p:nvPr>
+            <p:ph type="ftr" sz="quarter" idx="11"/>
+          </p:nvPr>
+        </p:nvSpPr>
+        <p:spPr/>
+        <p:txBody>
+          <a:bodyPr/>
+          <a:lstStyle/>
+          <a:p>
+            <a:r>
+              <a:rPr lang="en-US" sz="1600" dirty="0" smtClean="0"/>
+              <a:t>Rahul</a:t>
+            </a:r>
+            <a:endParaRPr lang="en-US" sz="1600" dirty="0"/>
           </a:p>
         </p:txBody>
       </p:sp>
     </p:spTree>
     <p:extLst>
       <p:ext uri="{BB962C8B-B14F-4D97-AF65-F5344CB8AC3E}">
-        <p14:creationId xmlns:p14="http://schemas.microsoft.com/office/powerpoint/2010/main" val="2814142266"/>
+        <p14:creationId xmlns:p14="http://schemas.microsoft.com/office/powerpoint/2010/main" val="1175791555"/>
       </p:ext>
     </p:extLst>
   </p:cSld>
@@ -7357,100 +8250,138 @@
             <p:ph type="title"/>
           </p:nvPr>
         </p:nvSpPr>
-        <p:spPr/>
-        <p:txBody>
-          <a:bodyPr/>
-          <a:lstStyle/>
-          <a:p>
-            <a:r>
-              <a:rPr lang="en-US" dirty="0" smtClean="0"/>
-              <a:t>Steps Involved:</a:t>
-            </a:r>
-            <a:endParaRPr lang="en-US" dirty="0"/>
-          </a:p>
-        </p:txBody>
-      </p:sp>
-      <p:sp>
-        <p:nvSpPr>
-          <p:cNvPr id="3" name="Content Placeholder 2"/>
-          <p:cNvSpPr>
-            <a:spLocks noGrp="1"/>
-          </p:cNvSpPr>
-          <p:nvPr>
-            <p:ph sz="half" idx="1"/>
-          </p:nvPr>
-        </p:nvSpPr>
         <p:spPr>
           <a:xfrm>
-            <a:off x="838200" y="1371600"/>
-            <a:ext cx="10515600" cy="4925679"/>
+            <a:off x="838200" y="473409"/>
+            <a:ext cx="10515600" cy="1325563"/>
           </a:xfrm>
         </p:spPr>
         <p:txBody>
           <a:bodyPr/>
           <a:lstStyle/>
           <a:p>
-            <a:pPr marL="514350" indent="-514350">
-              <a:buAutoNum type="arabicPeriod"/>
+            <a:r>
+              <a:rPr lang="en-US" dirty="0" smtClean="0"/>
+              <a:t>Continue….</a:t>
+            </a:r>
+            <a:endParaRPr lang="en-US" dirty="0"/>
+          </a:p>
+        </p:txBody>
+      </p:sp>
+      <p:sp>
+        <p:nvSpPr>
+          <p:cNvPr id="3" name="Content Placeholder 2"/>
+          <p:cNvSpPr>
+            <a:spLocks noGrp="1"/>
+          </p:cNvSpPr>
+          <p:nvPr>
+            <p:ph sz="half" idx="1"/>
+          </p:nvPr>
+        </p:nvSpPr>
+        <p:spPr>
+          <a:xfrm>
+            <a:off x="838200" y="1684421"/>
+            <a:ext cx="10515600" cy="4841458"/>
+          </a:xfrm>
+        </p:spPr>
+        <p:txBody>
+          <a:bodyPr/>
+          <a:lstStyle/>
+          <a:p>
+            <a:pPr marL="0" indent="0">
+              <a:buNone/>
             </a:pPr>
             <a:r>
               <a:rPr lang="en-US" dirty="0" smtClean="0"/>
-              <a:t>The User’s speech is streamed to the Alexa service in the cloud.</a:t>
-            </a:r>
+              <a:t>“Alexa , get the capitol of Brazil from Country Pool”.</a:t>
+            </a:r>
+          </a:p>
+          <a:p>
+            <a:pPr marL="0" indent="0">
+              <a:buNone/>
+            </a:pPr>
+            <a:r>
+              <a:rPr lang="en-US" dirty="0" smtClean="0"/>
+              <a:t>Sample utterance: get the capitol of.</a:t>
+            </a:r>
+          </a:p>
+          <a:p>
+            <a:pPr marL="0" indent="0">
+              <a:buNone/>
+            </a:pPr>
+            <a:r>
+              <a:rPr lang="en-US" dirty="0" smtClean="0"/>
+              <a:t>Invocation name: Country Pool.</a:t>
+            </a:r>
+          </a:p>
+          <a:p>
+            <a:pPr marL="0" indent="0">
+              <a:buNone/>
+            </a:pPr>
+            <a:r>
+              <a:rPr lang="en-US" dirty="0" smtClean="0"/>
+              <a:t>Slot : Brazil.</a:t>
+            </a:r>
+          </a:p>
+          <a:p>
+            <a:pPr marL="0" indent="0">
+              <a:buNone/>
+            </a:pPr>
+            <a:r>
+              <a:rPr lang="en-US" dirty="0" smtClean="0"/>
+              <a:t>This model is called as an Interaction model.</a:t>
+            </a:r>
+          </a:p>
+          <a:p>
+            <a:pPr marL="0" indent="0">
+              <a:buNone/>
+            </a:pPr>
+            <a:r>
+              <a:rPr lang="en-US" dirty="0" smtClean="0"/>
+              <a:t>Thus, we have created an interactive service with slots.</a:t>
+            </a:r>
+          </a:p>
+          <a:p>
+            <a:pPr marL="0" indent="0">
+              <a:buNone/>
+            </a:pPr>
+            <a:endParaRPr lang="en-US" dirty="0" smtClean="0"/>
+          </a:p>
+          <a:p>
+            <a:pPr marL="0" indent="0">
+              <a:buNone/>
+            </a:pPr>
             <a:endParaRPr lang="en-US" dirty="0"/>
           </a:p>
-          <a:p>
-            <a:pPr marL="514350" indent="-514350">
-              <a:buAutoNum type="arabicPeriod"/>
-            </a:pPr>
-            <a:r>
-              <a:rPr lang="en-US" dirty="0" smtClean="0"/>
-              <a:t>Alexa recognizes that country pooler skill belongs to Country Intent.</a:t>
-            </a:r>
-          </a:p>
-          <a:p>
-            <a:pPr marL="514350" indent="-514350">
-              <a:buAutoNum type="arabicPeriod"/>
-            </a:pPr>
-            <a:r>
-              <a:rPr lang="en-US" dirty="0" smtClean="0"/>
-              <a:t>Alexa structures into a request and sends the request to the service defined, then the request includes the value “Brazil” as city.</a:t>
-            </a:r>
-          </a:p>
-          <a:p>
-            <a:pPr marL="514350" indent="-514350">
-              <a:buAutoNum type="arabicPeriod"/>
-            </a:pPr>
-            <a:r>
-              <a:rPr lang="en-US" dirty="0" smtClean="0"/>
-              <a:t>The Country pooler service gets the request and takes the action.</a:t>
-            </a:r>
-          </a:p>
-          <a:p>
-            <a:pPr marL="514350" indent="-514350">
-              <a:buAutoNum type="arabicPeriod"/>
-            </a:pPr>
-            <a:r>
-              <a:rPr lang="en-US" dirty="0" smtClean="0"/>
-              <a:t>The Country pooler sends the Alexa service a structured response with a text to speak to the user.</a:t>
-            </a:r>
-          </a:p>
-          <a:p>
-            <a:pPr marL="514350" indent="-514350">
-              <a:buAutoNum type="arabicPeriod"/>
-            </a:pPr>
-            <a:r>
-              <a:rPr lang="en-US" dirty="0" smtClean="0"/>
-              <a:t>The Alexa-enabled device speaks the response back to the user.</a:t>
-            </a:r>
-            <a:endParaRPr lang="en-US" dirty="0"/>
+        </p:txBody>
+      </p:sp>
+      <p:sp>
+        <p:nvSpPr>
+          <p:cNvPr id="4" name="Footer Placeholder 3"/>
+          <p:cNvSpPr>
+            <a:spLocks noGrp="1"/>
+          </p:cNvSpPr>
+          <p:nvPr>
+            <p:ph type="ftr" sz="quarter" idx="11"/>
+          </p:nvPr>
+        </p:nvSpPr>
+        <p:spPr/>
+        <p:txBody>
+          <a:bodyPr/>
+          <a:lstStyle/>
+          <a:p>
+            <a:r>
+              <a:rPr lang="en-US" smtClean="0"/>
+              <a:t>Rahul</a:t>
+            </a:r>
+            <a:endParaRPr lang="en-US"/>
           </a:p>
         </p:txBody>
       </p:sp>
     </p:spTree>
     <p:extLst>
       <p:ext uri="{BB962C8B-B14F-4D97-AF65-F5344CB8AC3E}">
-        <p14:creationId xmlns:p14="http://schemas.microsoft.com/office/powerpoint/2010/main" val="1525654673"/>
+        <p14:creationId xmlns:p14="http://schemas.microsoft.com/office/powerpoint/2010/main" val="2814142266"/>
       </p:ext>
     </p:extLst>
   </p:cSld>
@@ -7501,7 +8432,7 @@
           <a:p>
             <a:r>
               <a:rPr lang="en-US" dirty="0" smtClean="0"/>
-              <a:t>Requirements to build a Alexa Skill set:</a:t>
+              <a:t>Steps Involved:</a:t>
             </a:r>
             <a:endParaRPr lang="en-US" dirty="0"/>
           </a:p>
@@ -7519,29 +8450,89 @@
         </p:nvSpPr>
         <p:spPr>
           <a:xfrm>
-            <a:off x="453189" y="1825625"/>
-            <a:ext cx="9761622" cy="4351338"/>
+            <a:off x="838200" y="1371600"/>
+            <a:ext cx="10515600" cy="4925679"/>
           </a:xfrm>
         </p:spPr>
         <p:txBody>
           <a:bodyPr/>
           <a:lstStyle/>
           <a:p>
+            <a:pPr marL="514350" indent="-514350">
+              <a:buAutoNum type="arabicPeriod"/>
+            </a:pPr>
             <a:r>
               <a:rPr lang="en-US" dirty="0" smtClean="0"/>
-              <a:t>Visual Studio (2015) or newer with AWS Toolkit for Visual Studio.</a:t>
-            </a:r>
-          </a:p>
-          <a:p>
+              <a:t>The User’s speech is streamed to the Alexa service in the cloud.</a:t>
+            </a:r>
+            <a:endParaRPr lang="en-US" dirty="0"/>
+          </a:p>
+          <a:p>
+            <a:pPr marL="514350" indent="-514350">
+              <a:buAutoNum type="arabicPeriod"/>
+            </a:pPr>
             <a:r>
               <a:rPr lang="en-US" dirty="0" smtClean="0"/>
-              <a:t>Sign up for an AWS Account.</a:t>
-            </a:r>
-          </a:p>
-          <a:p>
+              <a:t>Alexa recognizes that country pooler skill belongs to Country Intent.</a:t>
+            </a:r>
+          </a:p>
+          <a:p>
+            <a:pPr marL="514350" indent="-514350">
+              <a:buAutoNum type="arabicPeriod"/>
+            </a:pPr>
             <a:r>
               <a:rPr lang="en-US" dirty="0" smtClean="0"/>
-              <a:t>Sign up for an Amazon Developer Account.</a:t>
+              <a:t>Alexa structures into a request and sends the request to the service defined, then the request includes the value “Brazil” as city.</a:t>
+            </a:r>
+          </a:p>
+          <a:p>
+            <a:pPr marL="514350" indent="-514350">
+              <a:buAutoNum type="arabicPeriod"/>
+            </a:pPr>
+            <a:r>
+              <a:rPr lang="en-US" dirty="0" smtClean="0"/>
+              <a:t>The Country pooler service gets the request and takes the action.</a:t>
+            </a:r>
+          </a:p>
+          <a:p>
+            <a:pPr marL="514350" indent="-514350">
+              <a:buAutoNum type="arabicPeriod"/>
+            </a:pPr>
+            <a:r>
+              <a:rPr lang="en-US" dirty="0" smtClean="0"/>
+              <a:t>The Country pooler sends the Alexa service a structured response with a text to speak to the user.</a:t>
+            </a:r>
+          </a:p>
+          <a:p>
+            <a:pPr marL="514350" indent="-514350">
+              <a:buAutoNum type="arabicPeriod"/>
+            </a:pPr>
+            <a:r>
+              <a:rPr lang="en-US" dirty="0" smtClean="0"/>
+              <a:t>The Alexa-enabled device speaks the response back to the user.</a:t>
+            </a:r>
+            <a:endParaRPr lang="en-US" dirty="0"/>
+          </a:p>
+        </p:txBody>
+      </p:sp>
+      <p:sp>
+        <p:nvSpPr>
+          <p:cNvPr id="4" name="Footer Placeholder 3"/>
+          <p:cNvSpPr>
+            <a:spLocks noGrp="1"/>
+          </p:cNvSpPr>
+          <p:nvPr>
+            <p:ph type="ftr" sz="quarter" idx="11"/>
+          </p:nvPr>
+        </p:nvSpPr>
+        <p:spPr/>
+        <p:txBody>
+          <a:bodyPr/>
+          <a:lstStyle/>
+          <a:p>
+            <a:r>
+              <a:rPr lang="en-US" sz="1600" dirty="0" smtClean="0"/>
+              <a:t>Rahul</a:t>
             </a:r>
             <a:endParaRPr lang="en-US" dirty="0"/>
           </a:p>
@@ -7550,7 +8541,7 @@
     </p:spTree>
     <p:extLst>
       <p:ext uri="{BB962C8B-B14F-4D97-AF65-F5344CB8AC3E}">
-        <p14:creationId xmlns:p14="http://schemas.microsoft.com/office/powerpoint/2010/main" val="1218013523"/>
+        <p14:creationId xmlns:p14="http://schemas.microsoft.com/office/powerpoint/2010/main" val="1525654673"/>
       </p:ext>
     </p:extLst>
   </p:cSld>
@@ -7822,4 +8813,265 @@
     </a:ext>
   </a:extLst>
 </a:theme>
+</file>
+
+<file path=ppt/theme/theme2.xml><?xml version="1.0" encoding="utf-8"?>
+<a:theme xmlns:a="http://schemas.openxmlformats.org/drawingml/2006/main" name="Office Theme">
+  <a:themeElements>
+    <a:clrScheme name="Office">
+      <a:dk1>
+        <a:sysClr val="windowText" lastClr="000000"/>
+      </a:dk1>
+      <a:lt1>
+        <a:sysClr val="window" lastClr="FFFFFF"/>
+      </a:lt1>
+      <a:dk2>
+        <a:srgbClr val="44546A"/>
+      </a:dk2>
+      <a:lt2>
+        <a:srgbClr val="E7E6E6"/>
+      </a:lt2>
+      <a:accent1>
+        <a:srgbClr val="5B9BD5"/>
+      </a:accent1>
+      <a:accent2>
+        <a:srgbClr val="ED7D31"/>
+      </a:accent2>
+      <a:accent3>
+        <a:srgbClr val="A5A5A5"/>
+      </a:accent3>
+      <a:accent4>
+        <a:srgbClr val="FFC000"/>
+      </a:accent4>
+      <a:accent5>
+        <a:srgbClr val="4472C4"/>
+      </a:accent5>
+      <a:accent6>
+        <a:srgbClr val="70AD47"/>
+      </a:accent6>
+      <a:hlink>
+        <a:srgbClr val="0563C1"/>
+      </a:hlink>
+      <a:folHlink>
+        <a:srgbClr val="954F72"/>
+      </a:folHlink>
+    </a:clrScheme>
+    <a:fontScheme name="Office">
+      <a:majorFont>
+        <a:latin typeface="Calibri Light" panose="020F0302020204030204"/>
+        <a:ea typeface=""/>
+        <a:cs typeface=""/>
+        <a:font script="Jpan" typeface="游ゴシック Light"/>
+        <a:font script="Hang" typeface="맑은 고딕"/>
+        <a:font script="Hans" typeface="等线 Light"/>
+        <a:font script="Hant" typeface="新細明體"/>
+        <a:font script="Arab" typeface="Times New Roman"/>
+        <a:font script="Hebr" typeface="Times New Roman"/>
+        <a:font script="Thai" typeface="Angsana New"/>
+        <a:font script="Ethi" typeface="Nyala"/>
+        <a:font script="Beng" typeface="Vrinda"/>
+        <a:font script="Gujr" typeface="Shruti"/>
+        <a:font script="Khmr" typeface="MoolBoran"/>
+        <a:font script="Knda" typeface="Tunga"/>
+        <a:font script="Guru" typeface="Raavi"/>
+        <a:font script="Cans" typeface="Euphemia"/>
+        <a:font script="Cher" typeface="Plantagenet Cherokee"/>
+        <a:font script="Yiii" typeface="Microsoft Yi Baiti"/>
+        <a:font script="Tibt" typeface="Microsoft Himalaya"/>
+        <a:font script="Thaa" typeface="MV Boli"/>
+        <a:font script="Deva" typeface="Mangal"/>
+        <a:font script="Telu" typeface="Gautami"/>
+        <a:font script="Taml" typeface="Latha"/>
+        <a:font script="Syrc" typeface="Estrangelo Edessa"/>
+        <a:font script="Orya" typeface="Kalinga"/>
+        <a:font script="Mlym" typeface="Kartika"/>
+        <a:font script="Laoo" typeface="DokChampa"/>
+        <a:font script="Sinh" typeface="Iskoola Pota"/>
+        <a:font script="Mong" typeface="Mongolian Baiti"/>
+        <a:font script="Viet" typeface="Times New Roman"/>
+        <a:font script="Uigh" typeface="Microsoft Uighur"/>
+        <a:font script="Geor" typeface="Sylfaen"/>
+      </a:majorFont>
+      <a:minorFont>
+        <a:latin typeface="Calibri" panose="020F0502020204030204"/>
+        <a:ea typeface=""/>
+        <a:cs typeface=""/>
+        <a:font script="Jpan" typeface="游ゴシック"/>
+        <a:font script="Hang" typeface="맑은 고딕"/>
+        <a:font script="Hans" typeface="等线"/>
+        <a:font script="Hant" typeface="新細明體"/>
+        <a:font script="Arab" typeface="Arial"/>
+        <a:font script="Hebr" typeface="Arial"/>
+        <a:font script="Thai" typeface="Cordia New"/>
+        <a:font script="Ethi" typeface="Nyala"/>
+        <a:font script="Beng" typeface="Vrinda"/>
+        <a:font script="Gujr" typeface="Shruti"/>
+        <a:font script="Khmr" typeface="DaunPenh"/>
+        <a:font script="Knda" typeface="Tunga"/>
+        <a:font script="Guru" typeface="Raavi"/>
+        <a:font script="Cans" typeface="Euphemia"/>
+        <a:font script="Cher" typeface="Plantagenet Cherokee"/>
+        <a:font script="Yiii" typeface="Microsoft Yi Baiti"/>
+        <a:font script="Tibt" typeface="Microsoft Himalaya"/>
+        <a:font script="Thaa" typeface="MV Boli"/>
+        <a:font script="Deva" typeface="Mangal"/>
+        <a:font script="Telu" typeface="Gautami"/>
+        <a:font script="Taml" typeface="Latha"/>
+        <a:font script="Syrc" typeface="Estrangelo Edessa"/>
+        <a:font script="Orya" typeface="Kalinga"/>
+        <a:font script="Mlym" typeface="Kartika"/>
+        <a:font script="Laoo" typeface="DokChampa"/>
+        <a:font script="Sinh" typeface="Iskoola Pota"/>
+        <a:font script="Mong" typeface="Mongolian Baiti"/>
+        <a:font script="Viet" typeface="Arial"/>
+        <a:font script="Uigh" typeface="Microsoft Uighur"/>
+        <a:font script="Geor" typeface="Sylfaen"/>
+      </a:minorFont>
+    </a:fontScheme>
+    <a:fmtScheme name="Office">
+      <a:fillStyleLst>
+        <a:solidFill>
+          <a:schemeClr val="phClr"/>
+        </a:solidFill>
+        <a:gradFill rotWithShape="1">
+          <a:gsLst>
+            <a:gs pos="0">
+              <a:schemeClr val="phClr">
+                <a:lumMod val="110000"/>
+                <a:satMod val="105000"/>
+                <a:tint val="67000"/>
+              </a:schemeClr>
+            </a:gs>
+            <a:gs pos="50000">
+              <a:schemeClr val="phClr">
+                <a:lumMod val="105000"/>
+                <a:satMod val="103000"/>
+                <a:tint val="73000"/>
+              </a:schemeClr>
+            </a:gs>
+            <a:gs pos="100000">
+              <a:schemeClr val="phClr">
+                <a:lumMod val="105000"/>
+                <a:satMod val="109000"/>
+                <a:tint val="81000"/>
+              </a:schemeClr>
+            </a:gs>
+          </a:gsLst>
+          <a:lin ang="5400000" scaled="0"/>
+        </a:gradFill>
+        <a:gradFill rotWithShape="1">
+          <a:gsLst>
+            <a:gs pos="0">
+              <a:schemeClr val="phClr">
+                <a:satMod val="103000"/>
+                <a:lumMod val="102000"/>
+                <a:tint val="94000"/>
+              </a:schemeClr>
+            </a:gs>
+            <a:gs pos="50000">
+              <a:schemeClr val="phClr">
+                <a:satMod val="110000"/>
+                <a:lumMod val="100000"/>
+                <a:shade val="100000"/>
+              </a:schemeClr>
+            </a:gs>
+            <a:gs pos="100000">
+              <a:schemeClr val="phClr">
+                <a:lumMod val="99000"/>
+                <a:satMod val="120000"/>
+                <a:shade val="78000"/>
+              </a:schemeClr>
+            </a:gs>
+          </a:gsLst>
+          <a:lin ang="5400000" scaled="0"/>
+        </a:gradFill>
+      </a:fillStyleLst>
+      <a:lnStyleLst>
+        <a:ln w="6350" cap="flat" cmpd="sng" algn="ctr">
+          <a:solidFill>
+            <a:schemeClr val="phClr"/>
+          </a:solidFill>
+          <a:prstDash val="solid"/>
+          <a:miter lim="800000"/>
+        </a:ln>
+        <a:ln w="12700" cap="flat" cmpd="sng" algn="ctr">
+          <a:solidFill>
+            <a:schemeClr val="phClr"/>
+          </a:solidFill>
+          <a:prstDash val="solid"/>
+          <a:miter lim="800000"/>
+        </a:ln>
+        <a:ln w="19050" cap="flat" cmpd="sng" algn="ctr">
+          <a:solidFill>
+            <a:schemeClr val="phClr"/>
+          </a:solidFill>
+          <a:prstDash val="solid"/>
+          <a:miter lim="800000"/>
+        </a:ln>
+      </a:lnStyleLst>
+      <a:effectStyleLst>
+        <a:effectStyle>
+          <a:effectLst/>
+        </a:effectStyle>
+        <a:effectStyle>
+          <a:effectLst/>
+        </a:effectStyle>
+        <a:effectStyle>
+          <a:effectLst>
+            <a:outerShdw blurRad="57150" dist="19050" dir="5400000" algn="ctr" rotWithShape="0">
+              <a:srgbClr val="000000">
+                <a:alpha val="63000"/>
+              </a:srgbClr>
+            </a:outerShdw>
+          </a:effectLst>
+        </a:effectStyle>
+      </a:effectStyleLst>
+      <a:bgFillStyleLst>
+        <a:solidFill>
+          <a:schemeClr val="phClr"/>
+        </a:solidFill>
+        <a:solidFill>
+          <a:schemeClr val="phClr">
+            <a:tint val="95000"/>
+            <a:satMod val="170000"/>
+          </a:schemeClr>
+        </a:solidFill>
+        <a:gradFill rotWithShape="1">
+          <a:gsLst>
+            <a:gs pos="0">
+              <a:schemeClr val="phClr">
+                <a:tint val="93000"/>
+                <a:satMod val="150000"/>
+                <a:shade val="98000"/>
+                <a:lumMod val="102000"/>
+              </a:schemeClr>
+            </a:gs>
+            <a:gs pos="50000">
+              <a:schemeClr val="phClr">
+                <a:tint val="98000"/>
+                <a:satMod val="130000"/>
+                <a:shade val="90000"/>
+                <a:lumMod val="103000"/>
+              </a:schemeClr>
+            </a:gs>
+            <a:gs pos="100000">
+              <a:schemeClr val="phClr">
+                <a:shade val="63000"/>
+                <a:satMod val="120000"/>
+              </a:schemeClr>
+            </a:gs>
+          </a:gsLst>
+          <a:lin ang="5400000" scaled="0"/>
+        </a:gradFill>
+      </a:bgFillStyleLst>
+    </a:fmtScheme>
+  </a:themeElements>
+  <a:objectDefaults/>
+  <a:extraClrSchemeLst/>
+  <a:extLst>
+    <a:ext uri="{05A4C25C-085E-4340-85A3-A5531E510DB2}">
+      <thm15:themeFamily xmlns:thm15="http://schemas.microsoft.com/office/thememl/2012/main" name="Office Theme" id="{62F939B6-93AF-4DB8-9C6B-D6C7DFDC589F}" vid="{4A3C46E8-61CC-4603-A589-7422A47A8E4A}"/>
+    </a:ext>
+  </a:extLst>
+</a:theme>
 </file>
--- a/.NETPresentation.pptx
+++ b/.NETPresentation.pptx
@@ -6584,7 +6584,6 @@
               <a:rPr lang="en-US" sz="2400" dirty="0"/>
               <a:t>AWS Lambda lets you run code without provisioning or managing servers. You pay only for the compute time you consume - there is no charge when your code is not running. With Lambda, you can run code for virtually any type of application or backend service - all with zero administration. Just upload your code and Lambda takes care of everything required to run and scale your code with high availability. You can set up your code to automatically trigger from other AWS services or call it directly from any web or mobile app.</a:t>
             </a:r>
-            <a:endParaRPr lang="en-US" sz="2400" dirty="0"/>
           </a:p>
         </p:txBody>
       </p:sp>
@@ -7195,36 +7194,6 @@
           </a:p>
         </p:txBody>
       </p:sp>
-      <p:pic>
-        <p:nvPicPr>
-          <p:cNvPr id="5" name="Picture 4"/>
-          <p:cNvPicPr>
-            <a:picLocks noChangeAspect="1"/>
-          </p:cNvPicPr>
-          <p:nvPr/>
-        </p:nvPicPr>
-        <p:blipFill>
-          <a:blip r:embed="rId2" cstate="print">
-            <a:extLst>
-              <a:ext uri="{28A0092B-C50C-407E-A947-70E740481C1C}">
-                <a14:useLocalDpi xmlns:a14="http://schemas.microsoft.com/office/drawing/2010/main" val="0"/>
-              </a:ext>
-            </a:extLst>
-          </a:blip>
-          <a:stretch>
-            <a:fillRect/>
-          </a:stretch>
-        </p:blipFill>
-        <p:spPr>
-          <a:xfrm>
-            <a:off x="5094826" y="2692886"/>
-            <a:ext cx="1607127" cy="1333685"/>
-          </a:xfrm>
-          <a:prstGeom prst="rect">
-            <a:avLst/>
-          </a:prstGeom>
-        </p:spPr>
-      </p:pic>
       <p:sp>
         <p:nvSpPr>
           <p:cNvPr id="7" name="Footer Placeholder 6"/>
@@ -7515,11 +7484,7 @@
             </a:pPr>
             <a:r>
               <a:rPr lang="en-US" dirty="0" smtClean="0"/>
-              <a:t>2. </a:t>
-            </a:r>
-            <a:r>
-              <a:rPr lang="en-US" dirty="0" smtClean="0"/>
-              <a:t>Flash Briefing Skill</a:t>
+              <a:t>2. Flash Briefing Skill</a:t>
             </a:r>
           </a:p>
           <a:p>
@@ -7530,7 +7495,6 @@
               <a:rPr lang="en-US" dirty="0" smtClean="0"/>
               <a:t>3. Custom Skill</a:t>
             </a:r>
-            <a:endParaRPr lang="en-US" dirty="0" smtClean="0"/>
           </a:p>
           <a:p>
             <a:pPr marL="0" indent="0">
@@ -8482,8 +8446,17 @@
             </a:pPr>
             <a:r>
               <a:rPr lang="en-US" dirty="0" smtClean="0"/>
-              <a:t>Alexa structures into a request and sends the request to the service defined, then the request includes the value “Brazil” as city.</a:t>
-            </a:r>
+              <a:t>Alexa structures into a request and sends the request to the service defined, then the request includes the value “Brazil” </a:t>
+            </a:r>
+            <a:r>
+              <a:rPr lang="en-US" smtClean="0"/>
+              <a:t>as </a:t>
+            </a:r>
+            <a:r>
+              <a:rPr lang="en-US" smtClean="0"/>
+              <a:t>country.</a:t>
+            </a:r>
+            <a:endParaRPr lang="en-US" dirty="0" smtClean="0"/>
           </a:p>
           <a:p>
             <a:pPr marL="514350" indent="-514350">
